--- a/docs/slides/Intro to Software Security.pptx
+++ b/docs/slides/Intro to Software Security.pptx
@@ -4,6 +4,9 @@
   <p:sldMasterIdLst>
     <p:sldMasterId id="2147483666" r:id="rId1"/>
   </p:sldMasterIdLst>
+  <p:notesMasterIdLst>
+    <p:notesMasterId r:id="rId41"/>
+  </p:notesMasterIdLst>
   <p:sldIdLst>
     <p:sldId id="256" r:id="rId2"/>
     <p:sldId id="257" r:id="rId3"/>
@@ -37,12 +40,13 @@
     <p:sldId id="284" r:id="rId31"/>
     <p:sldId id="285" r:id="rId32"/>
     <p:sldId id="286" r:id="rId33"/>
-    <p:sldId id="287" r:id="rId34"/>
-    <p:sldId id="288" r:id="rId35"/>
-    <p:sldId id="289" r:id="rId36"/>
-    <p:sldId id="290" r:id="rId37"/>
-    <p:sldId id="291" r:id="rId38"/>
-    <p:sldId id="292" r:id="rId39"/>
+    <p:sldId id="294" r:id="rId34"/>
+    <p:sldId id="287" r:id="rId35"/>
+    <p:sldId id="288" r:id="rId36"/>
+    <p:sldId id="289" r:id="rId37"/>
+    <p:sldId id="290" r:id="rId38"/>
+    <p:sldId id="291" r:id="rId39"/>
+    <p:sldId id="292" r:id="rId40"/>
   </p:sldIdLst>
   <p:sldSz cx="6858000" cy="5143500"/>
   <p:notesSz cx="6858000" cy="5143500"/>
@@ -163,7 +167,7 @@
 <file path=ppt/revisionInfo.xml><?xml version="1.0" encoding="utf-8"?>
 <p1510:revInfo xmlns:a="http://schemas.openxmlformats.org/drawingml/2006/main" xmlns:r="http://schemas.openxmlformats.org/officeDocument/2006/relationships" xmlns:p1510="http://schemas.microsoft.com/office/powerpoint/2015/10/main">
   <p1510:revLst>
-    <p1510:client id="{5601230A-EF3C-42B0-84F0-BE9EB17FEAD2}" v="31" dt="2023-03-09T09:16:26.450"/>
+    <p1510:client id="{5601230A-EF3C-42B0-84F0-BE9EB17FEAD2}" v="32" dt="2023-03-16T09:07:18.863"/>
   </p1510:revLst>
 </p1510:revInfo>
 </file>
@@ -173,7 +177,7 @@
   <pc:docChgLst>
     <pc:chgData name="Sana Belguith" userId="edaa0afb-4621-4165-af1d-05ed505f7999" providerId="ADAL" clId="{5601230A-EF3C-42B0-84F0-BE9EB17FEAD2}"/>
     <pc:docChg chg="undo custSel addSld delSld modSld sldOrd modMainMaster">
-      <pc:chgData name="Sana Belguith" userId="edaa0afb-4621-4165-af1d-05ed505f7999" providerId="ADAL" clId="{5601230A-EF3C-42B0-84F0-BE9EB17FEAD2}" dt="2023-03-09T10:07:31.823" v="772" actId="20577"/>
+      <pc:chgData name="Sana Belguith" userId="edaa0afb-4621-4165-af1d-05ed505f7999" providerId="ADAL" clId="{5601230A-EF3C-42B0-84F0-BE9EB17FEAD2}" dt="2023-03-16T09:17:20.102" v="1154" actId="20577"/>
       <pc:docMkLst>
         <pc:docMk/>
       </pc:docMkLst>
@@ -772,7 +776,7 @@
         </pc:spChg>
       </pc:sldChg>
       <pc:sldChg chg="addSp delSp modSp add del mod">
-        <pc:chgData name="Sana Belguith" userId="edaa0afb-4621-4165-af1d-05ed505f7999" providerId="ADAL" clId="{5601230A-EF3C-42B0-84F0-BE9EB17FEAD2}" dt="2023-03-09T10:04:44.899" v="744" actId="1076"/>
+        <pc:chgData name="Sana Belguith" userId="edaa0afb-4621-4165-af1d-05ed505f7999" providerId="ADAL" clId="{5601230A-EF3C-42B0-84F0-BE9EB17FEAD2}" dt="2023-03-16T08:55:54.945" v="778" actId="478"/>
         <pc:sldMkLst>
           <pc:docMk/>
           <pc:sldMk cId="0" sldId="269"/>
@@ -855,6 +859,14 @@
             <pc:docMk/>
             <pc:sldMk cId="0" sldId="269"/>
             <ac:spMk id="14" creationId="{00000000-0000-0000-0000-000000000000}"/>
+          </ac:spMkLst>
+        </pc:spChg>
+        <pc:spChg chg="del mod">
+          <ac:chgData name="Sana Belguith" userId="edaa0afb-4621-4165-af1d-05ed505f7999" providerId="ADAL" clId="{5601230A-EF3C-42B0-84F0-BE9EB17FEAD2}" dt="2023-03-16T08:55:54.945" v="778" actId="478"/>
+          <ac:spMkLst>
+            <pc:docMk/>
+            <pc:sldMk cId="0" sldId="269"/>
+            <ac:spMk id="16" creationId="{00000000-0000-0000-0000-000000000000}"/>
           </ac:spMkLst>
         </pc:spChg>
       </pc:sldChg>
@@ -1134,21 +1146,37 @@
           </ac:spMkLst>
         </pc:spChg>
       </pc:sldChg>
-      <pc:sldChg chg="add">
-        <pc:chgData name="Sana Belguith" userId="edaa0afb-4621-4165-af1d-05ed505f7999" providerId="ADAL" clId="{5601230A-EF3C-42B0-84F0-BE9EB17FEAD2}" dt="2023-03-06T16:00:51.350" v="650"/>
+      <pc:sldChg chg="modSp add mod">
+        <pc:chgData name="Sana Belguith" userId="edaa0afb-4621-4165-af1d-05ed505f7999" providerId="ADAL" clId="{5601230A-EF3C-42B0-84F0-BE9EB17FEAD2}" dt="2023-03-16T08:54:59.818" v="776" actId="5793"/>
         <pc:sldMkLst>
           <pc:docMk/>
           <pc:sldMk cId="822592363" sldId="282"/>
         </pc:sldMkLst>
+        <pc:spChg chg="mod">
+          <ac:chgData name="Sana Belguith" userId="edaa0afb-4621-4165-af1d-05ed505f7999" providerId="ADAL" clId="{5601230A-EF3C-42B0-84F0-BE9EB17FEAD2}" dt="2023-03-16T08:54:59.818" v="776" actId="5793"/>
+          <ac:spMkLst>
+            <pc:docMk/>
+            <pc:sldMk cId="822592363" sldId="282"/>
+            <ac:spMk id="3" creationId="{65FE301B-B71A-6C07-4D6B-4EF9BBF3FD12}"/>
+          </ac:spMkLst>
+        </pc:spChg>
       </pc:sldChg>
       <pc:sldChg chg="delSp modSp add mod">
-        <pc:chgData name="Sana Belguith" userId="edaa0afb-4621-4165-af1d-05ed505f7999" providerId="ADAL" clId="{5601230A-EF3C-42B0-84F0-BE9EB17FEAD2}" dt="2023-03-09T10:04:16.074" v="731" actId="403"/>
+        <pc:chgData name="Sana Belguith" userId="edaa0afb-4621-4165-af1d-05ed505f7999" providerId="ADAL" clId="{5601230A-EF3C-42B0-84F0-BE9EB17FEAD2}" dt="2023-03-16T08:55:38.681" v="777" actId="20577"/>
         <pc:sldMkLst>
           <pc:docMk/>
           <pc:sldMk cId="0" sldId="283"/>
         </pc:sldMkLst>
         <pc:spChg chg="mod">
-          <ac:chgData name="Sana Belguith" userId="edaa0afb-4621-4165-af1d-05ed505f7999" providerId="ADAL" clId="{5601230A-EF3C-42B0-84F0-BE9EB17FEAD2}" dt="2023-03-09T10:04:16.074" v="731" actId="403"/>
+          <ac:chgData name="Sana Belguith" userId="edaa0afb-4621-4165-af1d-05ed505f7999" providerId="ADAL" clId="{5601230A-EF3C-42B0-84F0-BE9EB17FEAD2}" dt="2023-03-13T11:40:15.051" v="773" actId="2711"/>
+          <ac:spMkLst>
+            <pc:docMk/>
+            <pc:sldMk cId="0" sldId="283"/>
+            <ac:spMk id="2" creationId="{00000000-0000-0000-0000-000000000000}"/>
+          </ac:spMkLst>
+        </pc:spChg>
+        <pc:spChg chg="mod">
+          <ac:chgData name="Sana Belguith" userId="edaa0afb-4621-4165-af1d-05ed505f7999" providerId="ADAL" clId="{5601230A-EF3C-42B0-84F0-BE9EB17FEAD2}" dt="2023-03-16T08:55:38.681" v="777" actId="20577"/>
           <ac:spMkLst>
             <pc:docMk/>
             <pc:sldMk cId="0" sldId="283"/>
@@ -1185,8 +1213,8 @@
           <pc:sldMk cId="0" sldId="286"/>
         </pc:sldMkLst>
       </pc:sldChg>
-      <pc:sldChg chg="modSp add mod">
-        <pc:chgData name="Sana Belguith" userId="edaa0afb-4621-4165-af1d-05ed505f7999" providerId="ADAL" clId="{5601230A-EF3C-42B0-84F0-BE9EB17FEAD2}" dt="2023-03-09T10:07:31.823" v="772" actId="20577"/>
+      <pc:sldChg chg="modSp add mod modNotesTx">
+        <pc:chgData name="Sana Belguith" userId="edaa0afb-4621-4165-af1d-05ed505f7999" providerId="ADAL" clId="{5601230A-EF3C-42B0-84F0-BE9EB17FEAD2}" dt="2023-03-16T09:11:45.798" v="992" actId="20577"/>
         <pc:sldMkLst>
           <pc:docMk/>
           <pc:sldMk cId="0" sldId="287"/>
@@ -1209,13 +1237,13 @@
         </pc:spChg>
       </pc:sldChg>
       <pc:sldChg chg="modSp add mod">
-        <pc:chgData name="Sana Belguith" userId="edaa0afb-4621-4165-af1d-05ed505f7999" providerId="ADAL" clId="{5601230A-EF3C-42B0-84F0-BE9EB17FEAD2}" dt="2023-03-09T08:39:59.617" v="661" actId="2711"/>
+        <pc:chgData name="Sana Belguith" userId="edaa0afb-4621-4165-af1d-05ed505f7999" providerId="ADAL" clId="{5601230A-EF3C-42B0-84F0-BE9EB17FEAD2}" dt="2023-03-16T09:12:04.528" v="993" actId="20577"/>
         <pc:sldMkLst>
           <pc:docMk/>
           <pc:sldMk cId="0" sldId="288"/>
         </pc:sldMkLst>
         <pc:spChg chg="mod">
-          <ac:chgData name="Sana Belguith" userId="edaa0afb-4621-4165-af1d-05ed505f7999" providerId="ADAL" clId="{5601230A-EF3C-42B0-84F0-BE9EB17FEAD2}" dt="2023-03-09T08:39:59.617" v="661" actId="2711"/>
+          <ac:chgData name="Sana Belguith" userId="edaa0afb-4621-4165-af1d-05ed505f7999" providerId="ADAL" clId="{5601230A-EF3C-42B0-84F0-BE9EB17FEAD2}" dt="2023-03-16T09:12:04.528" v="993" actId="20577"/>
           <ac:spMkLst>
             <pc:docMk/>
             <pc:sldMk cId="0" sldId="288"/>
@@ -1223,8 +1251,8 @@
           </ac:spMkLst>
         </pc:spChg>
       </pc:sldChg>
-      <pc:sldChg chg="add">
-        <pc:chgData name="Sana Belguith" userId="edaa0afb-4621-4165-af1d-05ed505f7999" providerId="ADAL" clId="{5601230A-EF3C-42B0-84F0-BE9EB17FEAD2}" dt="2023-03-06T16:00:51.350" v="650"/>
+      <pc:sldChg chg="add modNotesTx">
+        <pc:chgData name="Sana Belguith" userId="edaa0afb-4621-4165-af1d-05ed505f7999" providerId="ADAL" clId="{5601230A-EF3C-42B0-84F0-BE9EB17FEAD2}" dt="2023-03-16T09:17:20.102" v="1154" actId="20577"/>
         <pc:sldMkLst>
           <pc:docMk/>
           <pc:sldMk cId="0" sldId="289"/>
@@ -1354,6 +1382,13 @@
           </ac:spMkLst>
         </pc:spChg>
       </pc:sldChg>
+      <pc:sldChg chg="add">
+        <pc:chgData name="Sana Belguith" userId="edaa0afb-4621-4165-af1d-05ed505f7999" providerId="ADAL" clId="{5601230A-EF3C-42B0-84F0-BE9EB17FEAD2}" dt="2023-03-16T09:07:18.861" v="779"/>
+        <pc:sldMkLst>
+          <pc:docMk/>
+          <pc:sldMk cId="3036898298" sldId="294"/>
+        </pc:sldMkLst>
+      </pc:sldChg>
       <pc:sldMasterChg chg="modSldLayout">
         <pc:chgData name="Sana Belguith" userId="edaa0afb-4621-4165-af1d-05ed505f7999" providerId="ADAL" clId="{5601230A-EF3C-42B0-84F0-BE9EB17FEAD2}" dt="2023-03-06T12:28:23.227" v="34"/>
         <pc:sldMasterMkLst>
@@ -1381,6 +1416,664 @@
     </pc:docChg>
   </pc:docChgLst>
 </pc:chgInfo>
+</file>
+
+<file path=ppt/notesMasters/notesMaster1.xml><?xml version="1.0" encoding="utf-8"?>
+<p:notesMaster xmlns:a="http://schemas.openxmlformats.org/drawingml/2006/main" xmlns:r="http://schemas.openxmlformats.org/officeDocument/2006/relationships" xmlns:p="http://schemas.openxmlformats.org/presentationml/2006/main">
+  <p:cSld>
+    <p:bg>
+      <p:bgRef idx="1001">
+        <a:schemeClr val="bg1"/>
+      </p:bgRef>
+    </p:bg>
+    <p:spTree>
+      <p:nvGrpSpPr>
+        <p:cNvPr id="1" name=""/>
+        <p:cNvGrpSpPr/>
+        <p:nvPr/>
+      </p:nvGrpSpPr>
+      <p:grpSpPr>
+        <a:xfrm>
+          <a:off x="0" y="0"/>
+          <a:ext cx="0" cy="0"/>
+          <a:chOff x="0" y="0"/>
+          <a:chExt cx="0" cy="0"/>
+        </a:xfrm>
+      </p:grpSpPr>
+      <p:sp>
+        <p:nvSpPr>
+          <p:cNvPr id="2" name="Header Placeholder 1"/>
+          <p:cNvSpPr>
+            <a:spLocks noGrp="1"/>
+          </p:cNvSpPr>
+          <p:nvPr>
+            <p:ph type="hdr" sz="quarter"/>
+          </p:nvPr>
+        </p:nvSpPr>
+        <p:spPr>
+          <a:xfrm>
+            <a:off x="0" y="0"/>
+            <a:ext cx="2971800" cy="257175"/>
+          </a:xfrm>
+          <a:prstGeom prst="rect">
+            <a:avLst/>
+          </a:prstGeom>
+        </p:spPr>
+        <p:txBody>
+          <a:bodyPr vert="horz" lIns="91440" tIns="45720" rIns="91440" bIns="45720" rtlCol="0"/>
+          <a:lstStyle>
+            <a:lvl1pPr algn="l">
+              <a:defRPr sz="1200"/>
+            </a:lvl1pPr>
+          </a:lstStyle>
+          <a:p>
+            <a:endParaRPr lang="en-GB"/>
+          </a:p>
+        </p:txBody>
+      </p:sp>
+      <p:sp>
+        <p:nvSpPr>
+          <p:cNvPr id="3" name="Date Placeholder 2"/>
+          <p:cNvSpPr>
+            <a:spLocks noGrp="1"/>
+          </p:cNvSpPr>
+          <p:nvPr>
+            <p:ph type="dt" idx="1"/>
+          </p:nvPr>
+        </p:nvSpPr>
+        <p:spPr>
+          <a:xfrm>
+            <a:off x="3884613" y="0"/>
+            <a:ext cx="2971800" cy="257175"/>
+          </a:xfrm>
+          <a:prstGeom prst="rect">
+            <a:avLst/>
+          </a:prstGeom>
+        </p:spPr>
+        <p:txBody>
+          <a:bodyPr vert="horz" lIns="91440" tIns="45720" rIns="91440" bIns="45720" rtlCol="0"/>
+          <a:lstStyle>
+            <a:lvl1pPr algn="r">
+              <a:defRPr sz="1200"/>
+            </a:lvl1pPr>
+          </a:lstStyle>
+          <a:p>
+            <a:fld id="{08CF1279-65C8-48EE-8BC9-36497B5EDC0D}" type="datetimeFigureOut">
+              <a:rPr lang="en-GB" smtClean="0"/>
+              <a:t>16/03/2023</a:t>
+            </a:fld>
+            <a:endParaRPr lang="en-GB"/>
+          </a:p>
+        </p:txBody>
+      </p:sp>
+      <p:sp>
+        <p:nvSpPr>
+          <p:cNvPr id="4" name="Slide Image Placeholder 3"/>
+          <p:cNvSpPr>
+            <a:spLocks noGrp="1" noRot="1" noChangeAspect="1"/>
+          </p:cNvSpPr>
+          <p:nvPr>
+            <p:ph type="sldImg" idx="2"/>
+          </p:nvPr>
+        </p:nvSpPr>
+        <p:spPr>
+          <a:xfrm>
+            <a:off x="2271713" y="642938"/>
+            <a:ext cx="2314575" cy="1736725"/>
+          </a:xfrm>
+          <a:prstGeom prst="rect">
+            <a:avLst/>
+          </a:prstGeom>
+          <a:noFill/>
+          <a:ln w="12700">
+            <a:solidFill>
+              <a:prstClr val="black"/>
+            </a:solidFill>
+          </a:ln>
+        </p:spPr>
+        <p:txBody>
+          <a:bodyPr vert="horz" lIns="91440" tIns="45720" rIns="91440" bIns="45720" rtlCol="0" anchor="ctr"/>
+          <a:lstStyle/>
+          <a:p>
+            <a:endParaRPr lang="en-GB"/>
+          </a:p>
+        </p:txBody>
+      </p:sp>
+      <p:sp>
+        <p:nvSpPr>
+          <p:cNvPr id="5" name="Notes Placeholder 4"/>
+          <p:cNvSpPr>
+            <a:spLocks noGrp="1"/>
+          </p:cNvSpPr>
+          <p:nvPr>
+            <p:ph type="body" sz="quarter" idx="3"/>
+          </p:nvPr>
+        </p:nvSpPr>
+        <p:spPr>
+          <a:xfrm>
+            <a:off x="685800" y="2474913"/>
+            <a:ext cx="5486400" cy="2025650"/>
+          </a:xfrm>
+          <a:prstGeom prst="rect">
+            <a:avLst/>
+          </a:prstGeom>
+        </p:spPr>
+        <p:txBody>
+          <a:bodyPr vert="horz" lIns="91440" tIns="45720" rIns="91440" bIns="45720" rtlCol="0"/>
+          <a:lstStyle/>
+          <a:p>
+            <a:pPr lvl="0"/>
+            <a:r>
+              <a:rPr lang="en-US"/>
+              <a:t>Click to edit Master text styles</a:t>
+            </a:r>
+          </a:p>
+          <a:p>
+            <a:pPr lvl="1"/>
+            <a:r>
+              <a:rPr lang="en-US"/>
+              <a:t>Second level</a:t>
+            </a:r>
+          </a:p>
+          <a:p>
+            <a:pPr lvl="2"/>
+            <a:r>
+              <a:rPr lang="en-US"/>
+              <a:t>Third level</a:t>
+            </a:r>
+          </a:p>
+          <a:p>
+            <a:pPr lvl="3"/>
+            <a:r>
+              <a:rPr lang="en-US"/>
+              <a:t>Fourth level</a:t>
+            </a:r>
+          </a:p>
+          <a:p>
+            <a:pPr lvl="4"/>
+            <a:r>
+              <a:rPr lang="en-US"/>
+              <a:t>Fifth level</a:t>
+            </a:r>
+            <a:endParaRPr lang="en-GB"/>
+          </a:p>
+        </p:txBody>
+      </p:sp>
+      <p:sp>
+        <p:nvSpPr>
+          <p:cNvPr id="6" name="Footer Placeholder 5"/>
+          <p:cNvSpPr>
+            <a:spLocks noGrp="1"/>
+          </p:cNvSpPr>
+          <p:nvPr>
+            <p:ph type="ftr" sz="quarter" idx="4"/>
+          </p:nvPr>
+        </p:nvSpPr>
+        <p:spPr>
+          <a:xfrm>
+            <a:off x="0" y="4886325"/>
+            <a:ext cx="2971800" cy="257175"/>
+          </a:xfrm>
+          <a:prstGeom prst="rect">
+            <a:avLst/>
+          </a:prstGeom>
+        </p:spPr>
+        <p:txBody>
+          <a:bodyPr vert="horz" lIns="91440" tIns="45720" rIns="91440" bIns="45720" rtlCol="0" anchor="b"/>
+          <a:lstStyle>
+            <a:lvl1pPr algn="l">
+              <a:defRPr sz="1200"/>
+            </a:lvl1pPr>
+          </a:lstStyle>
+          <a:p>
+            <a:endParaRPr lang="en-GB"/>
+          </a:p>
+        </p:txBody>
+      </p:sp>
+      <p:sp>
+        <p:nvSpPr>
+          <p:cNvPr id="7" name="Slide Number Placeholder 6"/>
+          <p:cNvSpPr>
+            <a:spLocks noGrp="1"/>
+          </p:cNvSpPr>
+          <p:nvPr>
+            <p:ph type="sldNum" sz="quarter" idx="5"/>
+          </p:nvPr>
+        </p:nvSpPr>
+        <p:spPr>
+          <a:xfrm>
+            <a:off x="3884613" y="4886325"/>
+            <a:ext cx="2971800" cy="257175"/>
+          </a:xfrm>
+          <a:prstGeom prst="rect">
+            <a:avLst/>
+          </a:prstGeom>
+        </p:spPr>
+        <p:txBody>
+          <a:bodyPr vert="horz" lIns="91440" tIns="45720" rIns="91440" bIns="45720" rtlCol="0" anchor="b"/>
+          <a:lstStyle>
+            <a:lvl1pPr algn="r">
+              <a:defRPr sz="1200"/>
+            </a:lvl1pPr>
+          </a:lstStyle>
+          <a:p>
+            <a:fld id="{668168CF-A92A-49FB-9B1E-DC62EC01AF27}" type="slidenum">
+              <a:rPr lang="en-GB" smtClean="0"/>
+              <a:t>‹#›</a:t>
+            </a:fld>
+            <a:endParaRPr lang="en-GB"/>
+          </a:p>
+        </p:txBody>
+      </p:sp>
+    </p:spTree>
+    <p:extLst>
+      <p:ext uri="{BB962C8B-B14F-4D97-AF65-F5344CB8AC3E}">
+        <p14:creationId xmlns:p14="http://schemas.microsoft.com/office/powerpoint/2010/main" val="481062262"/>
+      </p:ext>
+    </p:extLst>
+  </p:cSld>
+  <p:clrMap bg1="lt1" tx1="dk1" bg2="lt2" tx2="dk2" accent1="accent1" accent2="accent2" accent3="accent3" accent4="accent4" accent5="accent5" accent6="accent6" hlink="hlink" folHlink="folHlink"/>
+  <p:notesStyle>
+    <a:lvl1pPr marL="0" algn="l" defTabSz="914400" rtl="0" eaLnBrk="1" latinLnBrk="0" hangingPunct="1">
+      <a:defRPr sz="1200" kern="1200">
+        <a:solidFill>
+          <a:schemeClr val="tx1"/>
+        </a:solidFill>
+        <a:latin typeface="+mn-lt"/>
+        <a:ea typeface="+mn-ea"/>
+        <a:cs typeface="+mn-cs"/>
+      </a:defRPr>
+    </a:lvl1pPr>
+    <a:lvl2pPr marL="457200" algn="l" defTabSz="914400" rtl="0" eaLnBrk="1" latinLnBrk="0" hangingPunct="1">
+      <a:defRPr sz="1200" kern="1200">
+        <a:solidFill>
+          <a:schemeClr val="tx1"/>
+        </a:solidFill>
+        <a:latin typeface="+mn-lt"/>
+        <a:ea typeface="+mn-ea"/>
+        <a:cs typeface="+mn-cs"/>
+      </a:defRPr>
+    </a:lvl2pPr>
+    <a:lvl3pPr marL="914400" algn="l" defTabSz="914400" rtl="0" eaLnBrk="1" latinLnBrk="0" hangingPunct="1">
+      <a:defRPr sz="1200" kern="1200">
+        <a:solidFill>
+          <a:schemeClr val="tx1"/>
+        </a:solidFill>
+        <a:latin typeface="+mn-lt"/>
+        <a:ea typeface="+mn-ea"/>
+        <a:cs typeface="+mn-cs"/>
+      </a:defRPr>
+    </a:lvl3pPr>
+    <a:lvl4pPr marL="1371600" algn="l" defTabSz="914400" rtl="0" eaLnBrk="1" latinLnBrk="0" hangingPunct="1">
+      <a:defRPr sz="1200" kern="1200">
+        <a:solidFill>
+          <a:schemeClr val="tx1"/>
+        </a:solidFill>
+        <a:latin typeface="+mn-lt"/>
+        <a:ea typeface="+mn-ea"/>
+        <a:cs typeface="+mn-cs"/>
+      </a:defRPr>
+    </a:lvl4pPr>
+    <a:lvl5pPr marL="1828800" algn="l" defTabSz="914400" rtl="0" eaLnBrk="1" latinLnBrk="0" hangingPunct="1">
+      <a:defRPr sz="1200" kern="1200">
+        <a:solidFill>
+          <a:schemeClr val="tx1"/>
+        </a:solidFill>
+        <a:latin typeface="+mn-lt"/>
+        <a:ea typeface="+mn-ea"/>
+        <a:cs typeface="+mn-cs"/>
+      </a:defRPr>
+    </a:lvl5pPr>
+    <a:lvl6pPr marL="2286000" algn="l" defTabSz="914400" rtl="0" eaLnBrk="1" latinLnBrk="0" hangingPunct="1">
+      <a:defRPr sz="1200" kern="1200">
+        <a:solidFill>
+          <a:schemeClr val="tx1"/>
+        </a:solidFill>
+        <a:latin typeface="+mn-lt"/>
+        <a:ea typeface="+mn-ea"/>
+        <a:cs typeface="+mn-cs"/>
+      </a:defRPr>
+    </a:lvl6pPr>
+    <a:lvl7pPr marL="2743200" algn="l" defTabSz="914400" rtl="0" eaLnBrk="1" latinLnBrk="0" hangingPunct="1">
+      <a:defRPr sz="1200" kern="1200">
+        <a:solidFill>
+          <a:schemeClr val="tx1"/>
+        </a:solidFill>
+        <a:latin typeface="+mn-lt"/>
+        <a:ea typeface="+mn-ea"/>
+        <a:cs typeface="+mn-cs"/>
+      </a:defRPr>
+    </a:lvl7pPr>
+    <a:lvl8pPr marL="3200400" algn="l" defTabSz="914400" rtl="0" eaLnBrk="1" latinLnBrk="0" hangingPunct="1">
+      <a:defRPr sz="1200" kern="1200">
+        <a:solidFill>
+          <a:schemeClr val="tx1"/>
+        </a:solidFill>
+        <a:latin typeface="+mn-lt"/>
+        <a:ea typeface="+mn-ea"/>
+        <a:cs typeface="+mn-cs"/>
+      </a:defRPr>
+    </a:lvl8pPr>
+    <a:lvl9pPr marL="3657600" algn="l" defTabSz="914400" rtl="0" eaLnBrk="1" latinLnBrk="0" hangingPunct="1">
+      <a:defRPr sz="1200" kern="1200">
+        <a:solidFill>
+          <a:schemeClr val="tx1"/>
+        </a:solidFill>
+        <a:latin typeface="+mn-lt"/>
+        <a:ea typeface="+mn-ea"/>
+        <a:cs typeface="+mn-cs"/>
+      </a:defRPr>
+    </a:lvl9pPr>
+  </p:notesStyle>
+</p:notesMaster>
+</file>
+
+<file path=ppt/notesSlides/notesSlide1.xml><?xml version="1.0" encoding="utf-8"?>
+<p:notes xmlns:a="http://schemas.openxmlformats.org/drawingml/2006/main" xmlns:r="http://schemas.openxmlformats.org/officeDocument/2006/relationships" xmlns:p="http://schemas.openxmlformats.org/presentationml/2006/main">
+  <p:cSld>
+    <p:spTree>
+      <p:nvGrpSpPr>
+        <p:cNvPr id="1" name=""/>
+        <p:cNvGrpSpPr/>
+        <p:nvPr/>
+      </p:nvGrpSpPr>
+      <p:grpSpPr>
+        <a:xfrm>
+          <a:off x="0" y="0"/>
+          <a:ext cx="0" cy="0"/>
+          <a:chOff x="0" y="0"/>
+          <a:chExt cx="0" cy="0"/>
+        </a:xfrm>
+      </p:grpSpPr>
+      <p:sp>
+        <p:nvSpPr>
+          <p:cNvPr id="2" name="Slide Image Placeholder 1"/>
+          <p:cNvSpPr>
+            <a:spLocks noGrp="1" noRot="1" noChangeAspect="1"/>
+          </p:cNvSpPr>
+          <p:nvPr>
+            <p:ph type="sldImg"/>
+          </p:nvPr>
+        </p:nvSpPr>
+        <p:spPr/>
+      </p:sp>
+      <p:sp>
+        <p:nvSpPr>
+          <p:cNvPr id="3" name="Notes Placeholder 2"/>
+          <p:cNvSpPr>
+            <a:spLocks noGrp="1"/>
+          </p:cNvSpPr>
+          <p:nvPr>
+            <p:ph type="body" idx="1"/>
+          </p:nvPr>
+        </p:nvSpPr>
+        <p:spPr/>
+        <p:txBody>
+          <a:bodyPr/>
+          <a:lstStyle/>
+          <a:p>
+            <a:r>
+              <a:rPr lang="en-US" dirty="0"/>
+              <a:t>N will find how many characters I am printing</a:t>
+            </a:r>
+          </a:p>
+          <a:p>
+            <a:r>
+              <a:rPr lang="en-US" dirty="0"/>
+              <a:t>Even if I print shorter name or longer name</a:t>
+            </a:r>
+          </a:p>
+          <a:p>
+            <a:r>
+              <a:rPr lang="en-US" dirty="0" err="1"/>
+              <a:t>Strlen</a:t>
+            </a:r>
+            <a:r>
+              <a:rPr lang="en-US" dirty="0"/>
+              <a:t> would this safely </a:t>
+            </a:r>
+            <a:r>
+              <a:rPr lang="en-US" dirty="0" err="1"/>
+              <a:t>ut</a:t>
+            </a:r>
+            <a:r>
+              <a:rPr lang="en-US" dirty="0"/>
+              <a:t> this is how it was designed</a:t>
+            </a:r>
+          </a:p>
+          <a:p>
+            <a:r>
+              <a:rPr lang="en-US" dirty="0"/>
+              <a:t>It will still load that number of spaces</a:t>
+            </a:r>
+            <a:endParaRPr lang="en-GB" dirty="0"/>
+          </a:p>
+        </p:txBody>
+      </p:sp>
+      <p:sp>
+        <p:nvSpPr>
+          <p:cNvPr id="4" name="Slide Number Placeholder 3"/>
+          <p:cNvSpPr>
+            <a:spLocks noGrp="1"/>
+          </p:cNvSpPr>
+          <p:nvPr>
+            <p:ph type="sldNum" sz="quarter" idx="5"/>
+          </p:nvPr>
+        </p:nvSpPr>
+        <p:spPr/>
+        <p:txBody>
+          <a:bodyPr/>
+          <a:lstStyle/>
+          <a:p>
+            <a:fld id="{668168CF-A92A-49FB-9B1E-DC62EC01AF27}" type="slidenum">
+              <a:rPr lang="en-GB" smtClean="0"/>
+              <a:t>34</a:t>
+            </a:fld>
+            <a:endParaRPr lang="en-GB"/>
+          </a:p>
+        </p:txBody>
+      </p:sp>
+    </p:spTree>
+    <p:extLst>
+      <p:ext uri="{BB962C8B-B14F-4D97-AF65-F5344CB8AC3E}">
+        <p14:creationId xmlns:p14="http://schemas.microsoft.com/office/powerpoint/2010/main" val="459191931"/>
+      </p:ext>
+    </p:extLst>
+  </p:cSld>
+  <p:clrMapOvr>
+    <a:masterClrMapping/>
+  </p:clrMapOvr>
+</p:notes>
+</file>
+
+<file path=ppt/notesSlides/notesSlide2.xml><?xml version="1.0" encoding="utf-8"?>
+<p:notes xmlns:a="http://schemas.openxmlformats.org/drawingml/2006/main" xmlns:r="http://schemas.openxmlformats.org/officeDocument/2006/relationships" xmlns:p="http://schemas.openxmlformats.org/presentationml/2006/main">
+  <p:cSld>
+    <p:spTree>
+      <p:nvGrpSpPr>
+        <p:cNvPr id="1" name=""/>
+        <p:cNvGrpSpPr/>
+        <p:nvPr/>
+      </p:nvGrpSpPr>
+      <p:grpSpPr>
+        <a:xfrm>
+          <a:off x="0" y="0"/>
+          <a:ext cx="0" cy="0"/>
+          <a:chOff x="0" y="0"/>
+          <a:chExt cx="0" cy="0"/>
+        </a:xfrm>
+      </p:grpSpPr>
+      <p:sp>
+        <p:nvSpPr>
+          <p:cNvPr id="2" name="Slide Image Placeholder 1"/>
+          <p:cNvSpPr>
+            <a:spLocks noGrp="1" noRot="1" noChangeAspect="1"/>
+          </p:cNvSpPr>
+          <p:nvPr>
+            <p:ph type="sldImg"/>
+          </p:nvPr>
+        </p:nvSpPr>
+        <p:spPr/>
+      </p:sp>
+      <p:sp>
+        <p:nvSpPr>
+          <p:cNvPr id="3" name="Notes Placeholder 2"/>
+          <p:cNvSpPr>
+            <a:spLocks noGrp="1"/>
+          </p:cNvSpPr>
+          <p:nvPr>
+            <p:ph type="body" idx="1"/>
+          </p:nvPr>
+        </p:nvSpPr>
+        <p:spPr/>
+        <p:txBody>
+          <a:bodyPr/>
+          <a:lstStyle/>
+          <a:p>
+            <a:endParaRPr lang="en-GB" dirty="0"/>
+          </a:p>
+        </p:txBody>
+      </p:sp>
+      <p:sp>
+        <p:nvSpPr>
+          <p:cNvPr id="4" name="Slide Number Placeholder 3"/>
+          <p:cNvSpPr>
+            <a:spLocks noGrp="1"/>
+          </p:cNvSpPr>
+          <p:nvPr>
+            <p:ph type="sldNum" sz="quarter" idx="5"/>
+          </p:nvPr>
+        </p:nvSpPr>
+        <p:spPr/>
+        <p:txBody>
+          <a:bodyPr/>
+          <a:lstStyle/>
+          <a:p>
+            <a:fld id="{668168CF-A92A-49FB-9B1E-DC62EC01AF27}" type="slidenum">
+              <a:rPr lang="en-GB" smtClean="0"/>
+              <a:t>35</a:t>
+            </a:fld>
+            <a:endParaRPr lang="en-GB"/>
+          </a:p>
+        </p:txBody>
+      </p:sp>
+    </p:spTree>
+    <p:extLst>
+      <p:ext uri="{BB962C8B-B14F-4D97-AF65-F5344CB8AC3E}">
+        <p14:creationId xmlns:p14="http://schemas.microsoft.com/office/powerpoint/2010/main" val="2164050744"/>
+      </p:ext>
+    </p:extLst>
+  </p:cSld>
+  <p:clrMapOvr>
+    <a:masterClrMapping/>
+  </p:clrMapOvr>
+</p:notes>
+</file>
+
+<file path=ppt/notesSlides/notesSlide3.xml><?xml version="1.0" encoding="utf-8"?>
+<p:notes xmlns:a="http://schemas.openxmlformats.org/drawingml/2006/main" xmlns:r="http://schemas.openxmlformats.org/officeDocument/2006/relationships" xmlns:p="http://schemas.openxmlformats.org/presentationml/2006/main">
+  <p:cSld>
+    <p:spTree>
+      <p:nvGrpSpPr>
+        <p:cNvPr id="1" name=""/>
+        <p:cNvGrpSpPr/>
+        <p:nvPr/>
+      </p:nvGrpSpPr>
+      <p:grpSpPr>
+        <a:xfrm>
+          <a:off x="0" y="0"/>
+          <a:ext cx="0" cy="0"/>
+          <a:chOff x="0" y="0"/>
+          <a:chExt cx="0" cy="0"/>
+        </a:xfrm>
+      </p:grpSpPr>
+      <p:sp>
+        <p:nvSpPr>
+          <p:cNvPr id="2" name="Slide Image Placeholder 1"/>
+          <p:cNvSpPr>
+            <a:spLocks noGrp="1" noRot="1" noChangeAspect="1"/>
+          </p:cNvSpPr>
+          <p:nvPr>
+            <p:ph type="sldImg"/>
+          </p:nvPr>
+        </p:nvSpPr>
+        <p:spPr/>
+      </p:sp>
+      <p:sp>
+        <p:nvSpPr>
+          <p:cNvPr id="3" name="Notes Placeholder 2"/>
+          <p:cNvSpPr>
+            <a:spLocks noGrp="1"/>
+          </p:cNvSpPr>
+          <p:nvPr>
+            <p:ph type="body" idx="1"/>
+          </p:nvPr>
+        </p:nvSpPr>
+        <p:spPr/>
+        <p:txBody>
+          <a:bodyPr/>
+          <a:lstStyle/>
+          <a:p>
+            <a:r>
+              <a:rPr lang="en-US" dirty="0"/>
+              <a:t>If we control how many characters we printed on the stack we can </a:t>
+            </a:r>
+            <a:r>
+              <a:rPr lang="en-US" dirty="0" err="1"/>
+              <a:t>intentionnaly</a:t>
+            </a:r>
+            <a:r>
+              <a:rPr lang="en-US" dirty="0"/>
+              <a:t> change that target argument</a:t>
+            </a:r>
+          </a:p>
+          <a:p>
+            <a:r>
+              <a:rPr lang="en-US" dirty="0"/>
+              <a:t>Because we know where it is </a:t>
+            </a:r>
+            <a:r>
+              <a:rPr lang="en-US" dirty="0" err="1"/>
+              <a:t>exactlky</a:t>
+            </a:r>
+            <a:endParaRPr lang="en-GB" dirty="0"/>
+          </a:p>
+        </p:txBody>
+      </p:sp>
+      <p:sp>
+        <p:nvSpPr>
+          <p:cNvPr id="4" name="Slide Number Placeholder 3"/>
+          <p:cNvSpPr>
+            <a:spLocks noGrp="1"/>
+          </p:cNvSpPr>
+          <p:nvPr>
+            <p:ph type="sldNum" sz="quarter" idx="5"/>
+          </p:nvPr>
+        </p:nvSpPr>
+        <p:spPr/>
+        <p:txBody>
+          <a:bodyPr/>
+          <a:lstStyle/>
+          <a:p>
+            <a:fld id="{668168CF-A92A-49FB-9B1E-DC62EC01AF27}" type="slidenum">
+              <a:rPr lang="en-GB" smtClean="0"/>
+              <a:t>36</a:t>
+            </a:fld>
+            <a:endParaRPr lang="en-GB"/>
+          </a:p>
+        </p:txBody>
+      </p:sp>
+    </p:spTree>
+    <p:extLst>
+      <p:ext uri="{BB962C8B-B14F-4D97-AF65-F5344CB8AC3E}">
+        <p14:creationId xmlns:p14="http://schemas.microsoft.com/office/powerpoint/2010/main" val="1780479226"/>
+      </p:ext>
+    </p:extLst>
+  </p:cSld>
+  <p:clrMapOvr>
+    <a:masterClrMapping/>
+  </p:clrMapOvr>
+</p:notes>
 </file>
 
 <file path=ppt/slideLayouts/slideLayout1.xml><?xml version="1.0" encoding="utf-8"?>
@@ -1532,7 +2225,7 @@
           <a:p>
             <a:fld id="{1D8BD707-D9CF-40AE-B4C6-C98DA3205C09}" type="datetimeFigureOut">
               <a:rPr lang="en-US" smtClean="0"/>
-              <a:t>3/9/2023</a:t>
+              <a:t>3/16/2023</a:t>
             </a:fld>
             <a:endParaRPr lang="en-US"/>
           </a:p>
@@ -1732,7 +2425,7 @@
           <a:p>
             <a:fld id="{1D8BD707-D9CF-40AE-B4C6-C98DA3205C09}" type="datetimeFigureOut">
               <a:rPr lang="en-US" smtClean="0"/>
-              <a:t>3/9/2023</a:t>
+              <a:t>3/16/2023</a:t>
             </a:fld>
             <a:endParaRPr lang="en-US"/>
           </a:p>
@@ -1942,7 +2635,7 @@
           <a:p>
             <a:fld id="{1D8BD707-D9CF-40AE-B4C6-C98DA3205C09}" type="datetimeFigureOut">
               <a:rPr lang="en-US" smtClean="0"/>
-              <a:t>3/9/2023</a:t>
+              <a:t>3/16/2023</a:t>
             </a:fld>
             <a:endParaRPr lang="en-US"/>
           </a:p>
@@ -2166,7 +2859,7 @@
           <a:p>
             <a:fld id="{1D8BD707-D9CF-40AE-B4C6-C98DA3205C09}" type="datetimeFigureOut">
               <a:rPr lang="en-US"/>
-              <a:t>3/9/2023</a:t>
+              <a:t>3/16/2023</a:t>
             </a:fld>
             <a:endParaRPr lang="en-US"/>
           </a:p>
@@ -2344,7 +3037,7 @@
           <a:p>
             <a:fld id="{1D8BD707-D9CF-40AE-B4C6-C98DA3205C09}" type="datetimeFigureOut">
               <a:rPr lang="en-US" smtClean="0"/>
-              <a:t>3/9/2023</a:t>
+              <a:t>3/16/2023</a:t>
             </a:fld>
             <a:endParaRPr lang="en-US"/>
           </a:p>
@@ -2620,7 +3313,7 @@
           <a:p>
             <a:fld id="{1D8BD707-D9CF-40AE-B4C6-C98DA3205C09}" type="datetimeFigureOut">
               <a:rPr lang="en-US" smtClean="0"/>
-              <a:t>3/9/2023</a:t>
+              <a:t>3/16/2023</a:t>
             </a:fld>
             <a:endParaRPr lang="en-US"/>
           </a:p>
@@ -2888,7 +3581,7 @@
           <a:p>
             <a:fld id="{1D8BD707-D9CF-40AE-B4C6-C98DA3205C09}" type="datetimeFigureOut">
               <a:rPr lang="en-US" smtClean="0"/>
-              <a:t>3/9/2023</a:t>
+              <a:t>3/16/2023</a:t>
             </a:fld>
             <a:endParaRPr lang="en-US"/>
           </a:p>
@@ -3303,7 +3996,7 @@
           <a:p>
             <a:fld id="{1D8BD707-D9CF-40AE-B4C6-C98DA3205C09}" type="datetimeFigureOut">
               <a:rPr lang="en-US" smtClean="0"/>
-              <a:t>3/9/2023</a:t>
+              <a:t>3/16/2023</a:t>
             </a:fld>
             <a:endParaRPr lang="en-US"/>
           </a:p>
@@ -3445,7 +4138,7 @@
           <a:p>
             <a:fld id="{1D8BD707-D9CF-40AE-B4C6-C98DA3205C09}" type="datetimeFigureOut">
               <a:rPr lang="en-US" smtClean="0"/>
-              <a:t>3/9/2023</a:t>
+              <a:t>3/16/2023</a:t>
             </a:fld>
             <a:endParaRPr lang="en-US"/>
           </a:p>
@@ -3558,7 +4251,7 @@
           <a:p>
             <a:fld id="{1D8BD707-D9CF-40AE-B4C6-C98DA3205C09}" type="datetimeFigureOut">
               <a:rPr lang="en-US" smtClean="0"/>
-              <a:t>3/9/2023</a:t>
+              <a:t>3/16/2023</a:t>
             </a:fld>
             <a:endParaRPr lang="en-US"/>
           </a:p>
@@ -3871,7 +4564,7 @@
           <a:p>
             <a:fld id="{1D8BD707-D9CF-40AE-B4C6-C98DA3205C09}" type="datetimeFigureOut">
               <a:rPr lang="en-US" smtClean="0"/>
-              <a:t>3/9/2023</a:t>
+              <a:t>3/16/2023</a:t>
             </a:fld>
             <a:endParaRPr lang="en-US"/>
           </a:p>
@@ -4160,7 +4853,7 @@
           <a:p>
             <a:fld id="{1D8BD707-D9CF-40AE-B4C6-C98DA3205C09}" type="datetimeFigureOut">
               <a:rPr lang="en-US" smtClean="0"/>
-              <a:t>3/9/2023</a:t>
+              <a:t>3/16/2023</a:t>
             </a:fld>
             <a:endParaRPr lang="en-US"/>
           </a:p>
@@ -4403,7 +5096,7 @@
           <a:p>
             <a:fld id="{1D8BD707-D9CF-40AE-B4C6-C98DA3205C09}" type="datetimeFigureOut">
               <a:rPr lang="en-US" smtClean="0"/>
-              <a:t>3/9/2023</a:t>
+              <a:t>3/16/2023</a:t>
             </a:fld>
             <a:endParaRPr lang="en-US"/>
           </a:p>
@@ -15260,82 +15953,9 @@
             </a:endParaRPr>
           </a:p>
           <a:p>
-            <a:pPr marL="207010" indent="-156210">
-              <a:lnSpc>
-                <a:spcPct val="100000"/>
-              </a:lnSpc>
-              <a:spcBef>
-                <a:spcPts val="430"/>
-              </a:spcBef>
-              <a:buSzPct val="84210"/>
-              <a:buFont typeface="Lucida Sans Unicode"/>
-              <a:buChar char="▪"/>
-              <a:tabLst>
-                <a:tab pos="207010" algn="l"/>
-              </a:tabLst>
+            <a:pPr marL="0" indent="0">
+              <a:buNone/>
             </a:pPr>
-            <a:r>
-              <a:rPr lang="en-US" sz="1600" spc="-5" dirty="0">
-                <a:latin typeface="Times New Roman" panose="02020603050405020304" pitchFamily="18" charset="0"/>
-                <a:cs typeface="Times New Roman" panose="02020603050405020304" pitchFamily="18" charset="0"/>
-              </a:rPr>
-              <a:t>Caller cleans</a:t>
-            </a:r>
-            <a:r>
-              <a:rPr lang="en-US" sz="1600" spc="10" dirty="0">
-                <a:latin typeface="Times New Roman" panose="02020603050405020304" pitchFamily="18" charset="0"/>
-                <a:cs typeface="Times New Roman" panose="02020603050405020304" pitchFamily="18" charset="0"/>
-              </a:rPr>
-              <a:t> </a:t>
-            </a:r>
-            <a:r>
-              <a:rPr lang="en-US" sz="1600" spc="-5" dirty="0">
-                <a:latin typeface="Times New Roman" panose="02020603050405020304" pitchFamily="18" charset="0"/>
-                <a:cs typeface="Times New Roman" panose="02020603050405020304" pitchFamily="18" charset="0"/>
-              </a:rPr>
-              <a:t>the</a:t>
-            </a:r>
-            <a:r>
-              <a:rPr lang="en-US" sz="1600" dirty="0">
-                <a:latin typeface="Times New Roman" panose="02020603050405020304" pitchFamily="18" charset="0"/>
-                <a:cs typeface="Times New Roman" panose="02020603050405020304" pitchFamily="18" charset="0"/>
-              </a:rPr>
-              <a:t> stack</a:t>
-            </a:r>
-            <a:r>
-              <a:rPr lang="en-US" sz="1600" spc="10" dirty="0">
-                <a:latin typeface="Times New Roman" panose="02020603050405020304" pitchFamily="18" charset="0"/>
-                <a:cs typeface="Times New Roman" panose="02020603050405020304" pitchFamily="18" charset="0"/>
-              </a:rPr>
-              <a:t> </a:t>
-            </a:r>
-            <a:r>
-              <a:rPr lang="en-US" sz="1600" spc="-5" dirty="0">
-                <a:latin typeface="Times New Roman" panose="02020603050405020304" pitchFamily="18" charset="0"/>
-                <a:cs typeface="Times New Roman" panose="02020603050405020304" pitchFamily="18" charset="0"/>
-              </a:rPr>
-              <a:t>(variadic</a:t>
-            </a:r>
-            <a:r>
-              <a:rPr lang="en-US" sz="1600" spc="10" dirty="0">
-                <a:latin typeface="Times New Roman" panose="02020603050405020304" pitchFamily="18" charset="0"/>
-                <a:cs typeface="Times New Roman" panose="02020603050405020304" pitchFamily="18" charset="0"/>
-              </a:rPr>
-              <a:t> </a:t>
-            </a:r>
-            <a:r>
-              <a:rPr lang="en-US" sz="1600" spc="-5" dirty="0">
-                <a:latin typeface="Times New Roman" panose="02020603050405020304" pitchFamily="18" charset="0"/>
-                <a:cs typeface="Times New Roman" panose="02020603050405020304" pitchFamily="18" charset="0"/>
-              </a:rPr>
-              <a:t>function).</a:t>
-            </a:r>
-            <a:endParaRPr lang="en-US" sz="1600" dirty="0">
-              <a:latin typeface="Times New Roman" panose="02020603050405020304" pitchFamily="18" charset="0"/>
-              <a:cs typeface="Times New Roman" panose="02020603050405020304" pitchFamily="18" charset="0"/>
-            </a:endParaRPr>
-          </a:p>
-          <a:p>
             <a:endParaRPr lang="en-GB" dirty="0"/>
           </a:p>
         </p:txBody>
@@ -15466,15 +16086,24 @@
               </a:spcBef>
             </a:pPr>
             <a:r>
-              <a:rPr spc="127" dirty="0"/>
+              <a:rPr spc="127" dirty="0">
+                <a:latin typeface="Times New Roman" panose="02020603050405020304" pitchFamily="18" charset="0"/>
+                <a:cs typeface="Times New Roman" panose="02020603050405020304" pitchFamily="18" charset="0"/>
+              </a:rPr>
               <a:t>Format</a:t>
             </a:r>
             <a:r>
-              <a:rPr spc="-15" dirty="0"/>
-              <a:t> </a:t>
-            </a:r>
-            <a:r>
-              <a:rPr spc="153" dirty="0"/>
+              <a:rPr spc="-15" dirty="0">
+                <a:latin typeface="Times New Roman" panose="02020603050405020304" pitchFamily="18" charset="0"/>
+                <a:cs typeface="Times New Roman" panose="02020603050405020304" pitchFamily="18" charset="0"/>
+              </a:rPr>
+              <a:t> </a:t>
+            </a:r>
+            <a:r>
+              <a:rPr spc="153" dirty="0">
+                <a:latin typeface="Times New Roman" panose="02020603050405020304" pitchFamily="18" charset="0"/>
+                <a:cs typeface="Times New Roman" panose="02020603050405020304" pitchFamily="18" charset="0"/>
+              </a:rPr>
               <a:t>strings</a:t>
             </a:r>
           </a:p>
@@ -15636,34 +16265,6 @@
             </a:r>
             <a:r>
               <a:rPr sz="1200" i="1" spc="300" dirty="0">
-                <a:latin typeface="Times New Roman" panose="02020603050405020304" pitchFamily="18" charset="0"/>
-                <a:cs typeface="Times New Roman" panose="02020603050405020304" pitchFamily="18" charset="0"/>
-              </a:rPr>
-              <a:t> </a:t>
-            </a:r>
-            <a:r>
-              <a:rPr sz="1200" dirty="0">
-                <a:latin typeface="Times New Roman" panose="02020603050405020304" pitchFamily="18" charset="0"/>
-                <a:cs typeface="Times New Roman" panose="02020603050405020304" pitchFamily="18" charset="0"/>
-              </a:rPr>
-              <a:t>(excluding</a:t>
-            </a:r>
-            <a:r>
-              <a:rPr sz="1200" spc="293" dirty="0">
-                <a:latin typeface="Times New Roman" panose="02020603050405020304" pitchFamily="18" charset="0"/>
-                <a:cs typeface="Times New Roman" panose="02020603050405020304" pitchFamily="18" charset="0"/>
-              </a:rPr>
-              <a:t> </a:t>
-            </a:r>
-            <a:r>
-              <a:rPr sz="1200" dirty="0">
-                <a:latin typeface="Times New Roman" panose="02020603050405020304" pitchFamily="18" charset="0"/>
-                <a:cs typeface="Times New Roman" panose="02020603050405020304" pitchFamily="18" charset="0"/>
-              </a:rPr>
-              <a:t>%)</a:t>
-            </a:r>
-            <a:r>
-              <a:rPr sz="1200" spc="304" dirty="0">
                 <a:latin typeface="Times New Roman" panose="02020603050405020304" pitchFamily="18" charset="0"/>
                 <a:cs typeface="Times New Roman" panose="02020603050405020304" pitchFamily="18" charset="0"/>
               </a:rPr>
@@ -16721,143 +17322,6 @@
               </a:rPr>
               <a:t>Example functions</a:t>
             </a:r>
-          </a:p>
-        </p:txBody>
-      </p:sp>
-      <p:sp>
-        <p:nvSpPr>
-          <p:cNvPr id="16" name="object 16"/>
-          <p:cNvSpPr txBox="1">
-            <a:spLocks noGrp="1"/>
-          </p:cNvSpPr>
-          <p:nvPr>
-            <p:ph type="sldNum" sz="quarter" idx="7"/>
-          </p:nvPr>
-        </p:nvSpPr>
-        <p:spPr>
-          <a:xfrm>
-            <a:off x="4511040" y="4819936"/>
-            <a:ext cx="161289" cy="196214"/>
-          </a:xfrm>
-          <a:prstGeom prst="rect">
-            <a:avLst/>
-          </a:prstGeom>
-        </p:spPr>
-        <p:txBody>
-          <a:bodyPr vert="horz" wrap="square" lIns="0" tIns="0" rIns="0" bIns="0" rtlCol="0">
-            <a:spAutoFit/>
-          </a:bodyPr>
-          <a:lstStyle>
-            <a:defPPr>
-              <a:defRPr lang="en-US"/>
-            </a:defPPr>
-            <a:lvl1pPr marL="0" algn="l" defTabSz="914400" rtl="0" eaLnBrk="1" latinLnBrk="0" hangingPunct="1">
-              <a:defRPr sz="1200" b="0" i="0" kern="1200">
-                <a:solidFill>
-                  <a:schemeClr val="tx1"/>
-                </a:solidFill>
-                <a:latin typeface="Arial MT"/>
-                <a:ea typeface="+mn-ea"/>
-                <a:cs typeface="Arial MT"/>
-              </a:defRPr>
-            </a:lvl1pPr>
-            <a:lvl2pPr marL="457200" algn="l" defTabSz="914400" rtl="0" eaLnBrk="1" latinLnBrk="0" hangingPunct="1">
-              <a:defRPr sz="1800" kern="1200">
-                <a:solidFill>
-                  <a:schemeClr val="tx1"/>
-                </a:solidFill>
-                <a:latin typeface="+mn-lt"/>
-                <a:ea typeface="+mn-ea"/>
-                <a:cs typeface="+mn-cs"/>
-              </a:defRPr>
-            </a:lvl2pPr>
-            <a:lvl3pPr marL="914400" algn="l" defTabSz="914400" rtl="0" eaLnBrk="1" latinLnBrk="0" hangingPunct="1">
-              <a:defRPr sz="1800" kern="1200">
-                <a:solidFill>
-                  <a:schemeClr val="tx1"/>
-                </a:solidFill>
-                <a:latin typeface="+mn-lt"/>
-                <a:ea typeface="+mn-ea"/>
-                <a:cs typeface="+mn-cs"/>
-              </a:defRPr>
-            </a:lvl3pPr>
-            <a:lvl4pPr marL="1371600" algn="l" defTabSz="914400" rtl="0" eaLnBrk="1" latinLnBrk="0" hangingPunct="1">
-              <a:defRPr sz="1800" kern="1200">
-                <a:solidFill>
-                  <a:schemeClr val="tx1"/>
-                </a:solidFill>
-                <a:latin typeface="+mn-lt"/>
-                <a:ea typeface="+mn-ea"/>
-                <a:cs typeface="+mn-cs"/>
-              </a:defRPr>
-            </a:lvl4pPr>
-            <a:lvl5pPr marL="1828800" algn="l" defTabSz="914400" rtl="0" eaLnBrk="1" latinLnBrk="0" hangingPunct="1">
-              <a:defRPr sz="1800" kern="1200">
-                <a:solidFill>
-                  <a:schemeClr val="tx1"/>
-                </a:solidFill>
-                <a:latin typeface="+mn-lt"/>
-                <a:ea typeface="+mn-ea"/>
-                <a:cs typeface="+mn-cs"/>
-              </a:defRPr>
-            </a:lvl5pPr>
-            <a:lvl6pPr marL="2286000" algn="l" defTabSz="914400" rtl="0" eaLnBrk="1" latinLnBrk="0" hangingPunct="1">
-              <a:defRPr sz="1800" kern="1200">
-                <a:solidFill>
-                  <a:schemeClr val="tx1"/>
-                </a:solidFill>
-                <a:latin typeface="+mn-lt"/>
-                <a:ea typeface="+mn-ea"/>
-                <a:cs typeface="+mn-cs"/>
-              </a:defRPr>
-            </a:lvl6pPr>
-            <a:lvl7pPr marL="2743200" algn="l" defTabSz="914400" rtl="0" eaLnBrk="1" latinLnBrk="0" hangingPunct="1">
-              <a:defRPr sz="1800" kern="1200">
-                <a:solidFill>
-                  <a:schemeClr val="tx1"/>
-                </a:solidFill>
-                <a:latin typeface="+mn-lt"/>
-                <a:ea typeface="+mn-ea"/>
-                <a:cs typeface="+mn-cs"/>
-              </a:defRPr>
-            </a:lvl7pPr>
-            <a:lvl8pPr marL="3200400" algn="l" defTabSz="914400" rtl="0" eaLnBrk="1" latinLnBrk="0" hangingPunct="1">
-              <a:defRPr sz="1800" kern="1200">
-                <a:solidFill>
-                  <a:schemeClr val="tx1"/>
-                </a:solidFill>
-                <a:latin typeface="+mn-lt"/>
-                <a:ea typeface="+mn-ea"/>
-                <a:cs typeface="+mn-cs"/>
-              </a:defRPr>
-            </a:lvl8pPr>
-            <a:lvl9pPr marL="3657600" algn="l" defTabSz="914400" rtl="0" eaLnBrk="1" latinLnBrk="0" hangingPunct="1">
-              <a:defRPr sz="1800" kern="1200">
-                <a:solidFill>
-                  <a:schemeClr val="tx1"/>
-                </a:solidFill>
-                <a:latin typeface="+mn-lt"/>
-                <a:ea typeface="+mn-ea"/>
-                <a:cs typeface="+mn-cs"/>
-              </a:defRPr>
-            </a:lvl9pPr>
-          </a:lstStyle>
-          <a:p>
-            <a:pPr marL="38100">
-              <a:lnSpc>
-                <a:spcPts val="1425"/>
-              </a:lnSpc>
-            </a:pPr>
-            <a:fld id="{81D60167-4931-47E6-BA6A-407CBD079E47}" type="slidenum">
-              <a:rPr lang="en-GB" smtClean="0"/>
-              <a:pPr marL="38100">
-                <a:lnSpc>
-                  <a:spcPts val="1425"/>
-                </a:lnSpc>
-              </a:pPr>
-              <a:t>29</a:t>
-            </a:fld>
-            <a:endParaRPr dirty="0"/>
           </a:p>
         </p:txBody>
       </p:sp>
@@ -18272,6 +18736,169 @@
           <a:chExt cx="0" cy="0"/>
         </a:xfrm>
       </p:grpSpPr>
+      <p:sp>
+        <p:nvSpPr>
+          <p:cNvPr id="2" name="Title 5">
+            <a:extLst>
+              <a:ext uri="{FF2B5EF4-FFF2-40B4-BE49-F238E27FC236}">
+                <a16:creationId xmlns:a16="http://schemas.microsoft.com/office/drawing/2014/main" id="{5FFC693A-BE2A-B7DB-7FE7-F04C12D89FD4}"/>
+              </a:ext>
+            </a:extLst>
+          </p:cNvPr>
+          <p:cNvSpPr txBox="1">
+            <a:spLocks/>
+          </p:cNvSpPr>
+          <p:nvPr/>
+        </p:nvSpPr>
+        <p:spPr>
+          <a:xfrm>
+            <a:off x="471487" y="76200"/>
+            <a:ext cx="5915025" cy="697706"/>
+          </a:xfrm>
+          <a:prstGeom prst="rect">
+            <a:avLst/>
+          </a:prstGeom>
+        </p:spPr>
+        <p:txBody>
+          <a:bodyPr vert="horz" lIns="91440" tIns="45720" rIns="91440" bIns="45720" rtlCol="0" anchor="ctr">
+            <a:normAutofit/>
+          </a:bodyPr>
+          <a:lstStyle>
+            <a:lvl1pPr algn="l" defTabSz="514350" rtl="0" eaLnBrk="1" latinLnBrk="0" hangingPunct="1">
+              <a:lnSpc>
+                <a:spcPct val="90000"/>
+              </a:lnSpc>
+              <a:spcBef>
+                <a:spcPct val="0"/>
+              </a:spcBef>
+              <a:buNone/>
+              <a:defRPr sz="2475" kern="1200">
+                <a:solidFill>
+                  <a:schemeClr val="tx1"/>
+                </a:solidFill>
+                <a:latin typeface="+mj-lt"/>
+                <a:ea typeface="+mj-ea"/>
+                <a:cs typeface="+mj-cs"/>
+              </a:defRPr>
+            </a:lvl1pPr>
+          </a:lstStyle>
+          <a:p>
+            <a:pPr algn="ctr"/>
+            <a:r>
+              <a:rPr lang="en-US" sz="3200" spc="-5" dirty="0">
+                <a:latin typeface="Times New Roman" panose="02020603050405020304" pitchFamily="18" charset="0"/>
+                <a:cs typeface="Times New Roman" panose="02020603050405020304" pitchFamily="18" charset="0"/>
+              </a:rPr>
+              <a:t>Format String</a:t>
+            </a:r>
+            <a:endParaRPr lang="en-GB" sz="3200" spc="-5" dirty="0">
+              <a:latin typeface="Times New Roman" panose="02020603050405020304" pitchFamily="18" charset="0"/>
+              <a:cs typeface="Times New Roman" panose="02020603050405020304" pitchFamily="18" charset="0"/>
+            </a:endParaRPr>
+          </a:p>
+        </p:txBody>
+      </p:sp>
+      <p:pic>
+        <p:nvPicPr>
+          <p:cNvPr id="4" name="Picture 3" descr="Graphical user interface, application&#10;&#10;Description automatically generated">
+            <a:extLst>
+              <a:ext uri="{FF2B5EF4-FFF2-40B4-BE49-F238E27FC236}">
+                <a16:creationId xmlns:a16="http://schemas.microsoft.com/office/drawing/2014/main" id="{729931CF-F599-BE32-AA78-E2EA730E16E2}"/>
+              </a:ext>
+            </a:extLst>
+          </p:cNvPr>
+          <p:cNvPicPr>
+            <a:picLocks noChangeAspect="1"/>
+          </p:cNvPicPr>
+          <p:nvPr/>
+        </p:nvPicPr>
+        <p:blipFill>
+          <a:blip r:embed="rId2">
+            <a:extLst>
+              <a:ext uri="{28A0092B-C50C-407E-A947-70E740481C1C}">
+                <a14:useLocalDpi xmlns:a14="http://schemas.microsoft.com/office/drawing/2010/main" val="0"/>
+              </a:ext>
+            </a:extLst>
+          </a:blip>
+          <a:stretch>
+            <a:fillRect/>
+          </a:stretch>
+        </p:blipFill>
+        <p:spPr>
+          <a:xfrm>
+            <a:off x="685800" y="1200150"/>
+            <a:ext cx="5334000" cy="3281437"/>
+          </a:xfrm>
+          <a:prstGeom prst="rect">
+            <a:avLst/>
+          </a:prstGeom>
+        </p:spPr>
+      </p:pic>
+      <p:sp>
+        <p:nvSpPr>
+          <p:cNvPr id="6" name="TextBox 5">
+            <a:extLst>
+              <a:ext uri="{FF2B5EF4-FFF2-40B4-BE49-F238E27FC236}">
+                <a16:creationId xmlns:a16="http://schemas.microsoft.com/office/drawing/2014/main" id="{7C7ED9A1-C0A7-C3A5-A911-E64B6AA9E7CB}"/>
+              </a:ext>
+            </a:extLst>
+          </p:cNvPr>
+          <p:cNvSpPr txBox="1"/>
+          <p:nvPr/>
+        </p:nvSpPr>
+        <p:spPr>
+          <a:xfrm>
+            <a:off x="228600" y="4744134"/>
+            <a:ext cx="5181600" cy="261610"/>
+          </a:xfrm>
+          <a:prstGeom prst="rect">
+            <a:avLst/>
+          </a:prstGeom>
+          <a:noFill/>
+        </p:spPr>
+        <p:txBody>
+          <a:bodyPr wrap="square">
+            <a:spAutoFit/>
+          </a:bodyPr>
+          <a:lstStyle/>
+          <a:p>
+            <a:r>
+              <a:rPr lang="en-GB" sz="1050" dirty="0"/>
+              <a:t>https://www.geeksforgeeks.org/g-fact-31/</a:t>
+            </a:r>
+          </a:p>
+        </p:txBody>
+      </p:sp>
+    </p:spTree>
+    <p:extLst>
+      <p:ext uri="{BB962C8B-B14F-4D97-AF65-F5344CB8AC3E}">
+        <p14:creationId xmlns:p14="http://schemas.microsoft.com/office/powerpoint/2010/main" val="3036898298"/>
+      </p:ext>
+    </p:extLst>
+  </p:cSld>
+  <p:clrMapOvr>
+    <a:masterClrMapping/>
+  </p:clrMapOvr>
+</p:sld>
+</file>
+
+<file path=ppt/slides/slide34.xml><?xml version="1.0" encoding="utf-8"?>
+<p:sld xmlns:a="http://schemas.openxmlformats.org/drawingml/2006/main" xmlns:r="http://schemas.openxmlformats.org/officeDocument/2006/relationships" xmlns:p="http://schemas.openxmlformats.org/presentationml/2006/main">
+  <p:cSld>
+    <p:spTree>
+      <p:nvGrpSpPr>
+        <p:cNvPr id="1" name=""/>
+        <p:cNvGrpSpPr/>
+        <p:nvPr/>
+      </p:nvGrpSpPr>
+      <p:grpSpPr>
+        <a:xfrm>
+          <a:off x="0" y="0"/>
+          <a:ext cx="0" cy="0"/>
+          <a:chOff x="0" y="0"/>
+          <a:chExt cx="0" cy="0"/>
+        </a:xfrm>
+      </p:grpSpPr>
       <p:pic>
         <p:nvPicPr>
           <p:cNvPr id="2" name="object 2"/>
@@ -18279,7 +18906,7 @@
           <p:nvPr/>
         </p:nvPicPr>
         <p:blipFill>
-          <a:blip r:embed="rId2" cstate="print"/>
+          <a:blip r:embed="rId3" cstate="print"/>
           <a:stretch>
             <a:fillRect/>
           </a:stretch>
@@ -18725,7 +19352,7 @@
 </p:sld>
 </file>
 
-<file path=ppt/slides/slide34.xml><?xml version="1.0" encoding="utf-8"?>
+<file path=ppt/slides/slide35.xml><?xml version="1.0" encoding="utf-8"?>
 <p:sld xmlns:a="http://schemas.openxmlformats.org/drawingml/2006/main" xmlns:r="http://schemas.openxmlformats.org/officeDocument/2006/relationships" xmlns:p="http://schemas.openxmlformats.org/presentationml/2006/main">
   <p:cSld>
     <p:spTree>
@@ -18749,7 +19376,7 @@
           <p:nvPr/>
         </p:nvPicPr>
         <p:blipFill>
-          <a:blip r:embed="rId2" cstate="print"/>
+          <a:blip r:embed="rId3" cstate="print"/>
           <a:stretch>
             <a:fillRect/>
           </a:stretch>
@@ -18773,7 +19400,7 @@
         <p:spPr>
           <a:xfrm>
             <a:off x="356840" y="1314196"/>
-            <a:ext cx="5357495" cy="1424940"/>
+            <a:ext cx="5357495" cy="1197764"/>
           </a:xfrm>
           <a:prstGeom prst="rect">
             <a:avLst/>
@@ -18984,303 +19611,6 @@
               <a:latin typeface="Times New Roman" panose="02020603050405020304" pitchFamily="18" charset="0"/>
               <a:cs typeface="Times New Roman" panose="02020603050405020304" pitchFamily="18" charset="0"/>
             </a:endParaRPr>
-          </a:p>
-          <a:p>
-            <a:pPr marL="269875">
-              <a:lnSpc>
-                <a:spcPct val="100000"/>
-              </a:lnSpc>
-              <a:spcBef>
-                <a:spcPts val="175"/>
-              </a:spcBef>
-            </a:pPr>
-            <a:r>
-              <a:rPr sz="1400" dirty="0">
-                <a:latin typeface="Times New Roman" panose="02020603050405020304" pitchFamily="18" charset="0"/>
-                <a:cs typeface="Times New Roman" panose="02020603050405020304" pitchFamily="18" charset="0"/>
-              </a:rPr>
-              <a:t>–</a:t>
-            </a:r>
-            <a:r>
-              <a:rPr sz="1400" spc="-155" dirty="0">
-                <a:latin typeface="Times New Roman" panose="02020603050405020304" pitchFamily="18" charset="0"/>
-                <a:cs typeface="Times New Roman" panose="02020603050405020304" pitchFamily="18" charset="0"/>
-              </a:rPr>
-              <a:t> </a:t>
-            </a:r>
-            <a:r>
-              <a:rPr sz="1400" spc="-20" dirty="0">
-                <a:latin typeface="Times New Roman" panose="02020603050405020304" pitchFamily="18" charset="0"/>
-                <a:cs typeface="Times New Roman" panose="02020603050405020304" pitchFamily="18" charset="0"/>
-              </a:rPr>
-              <a:t>(</a:t>
-            </a:r>
-            <a:r>
-              <a:rPr sz="1400" spc="-30" dirty="0">
-                <a:latin typeface="Times New Roman" panose="02020603050405020304" pitchFamily="18" charset="0"/>
-                <a:cs typeface="Times New Roman" panose="02020603050405020304" pitchFamily="18" charset="0"/>
-              </a:rPr>
-              <a:t>on</a:t>
-            </a:r>
-            <a:r>
-              <a:rPr sz="1400" spc="-25" dirty="0">
-                <a:latin typeface="Times New Roman" panose="02020603050405020304" pitchFamily="18" charset="0"/>
-                <a:cs typeface="Times New Roman" panose="02020603050405020304" pitchFamily="18" charset="0"/>
-              </a:rPr>
-              <a:t>c</a:t>
-            </a:r>
-            <a:r>
-              <a:rPr sz="1400" dirty="0">
-                <a:latin typeface="Times New Roman" panose="02020603050405020304" pitchFamily="18" charset="0"/>
-                <a:cs typeface="Times New Roman" panose="02020603050405020304" pitchFamily="18" charset="0"/>
-              </a:rPr>
-              <a:t>e</a:t>
-            </a:r>
-            <a:r>
-              <a:rPr sz="1400" spc="-45" dirty="0">
-                <a:latin typeface="Times New Roman" panose="02020603050405020304" pitchFamily="18" charset="0"/>
-                <a:cs typeface="Times New Roman" panose="02020603050405020304" pitchFamily="18" charset="0"/>
-              </a:rPr>
-              <a:t> </a:t>
-            </a:r>
-            <a:r>
-              <a:rPr sz="1400" spc="-25" dirty="0">
-                <a:latin typeface="Times New Roman" panose="02020603050405020304" pitchFamily="18" charset="0"/>
-                <a:cs typeface="Times New Roman" panose="02020603050405020304" pitchFamily="18" charset="0"/>
-              </a:rPr>
-              <a:t>y</a:t>
-            </a:r>
-            <a:r>
-              <a:rPr sz="1400" spc="-30" dirty="0">
-                <a:latin typeface="Times New Roman" panose="02020603050405020304" pitchFamily="18" charset="0"/>
-                <a:cs typeface="Times New Roman" panose="02020603050405020304" pitchFamily="18" charset="0"/>
-              </a:rPr>
-              <a:t>ou</a:t>
-            </a:r>
-            <a:r>
-              <a:rPr sz="1400" spc="-15" dirty="0">
-                <a:latin typeface="Times New Roman" panose="02020603050405020304" pitchFamily="18" charset="0"/>
-                <a:cs typeface="Times New Roman" panose="02020603050405020304" pitchFamily="18" charset="0"/>
-              </a:rPr>
-              <a:t>’</a:t>
-            </a:r>
-            <a:r>
-              <a:rPr sz="1400" spc="-25" dirty="0">
-                <a:latin typeface="Times New Roman" panose="02020603050405020304" pitchFamily="18" charset="0"/>
-                <a:cs typeface="Times New Roman" panose="02020603050405020304" pitchFamily="18" charset="0"/>
-              </a:rPr>
-              <a:t>v</a:t>
-            </a:r>
-            <a:r>
-              <a:rPr sz="1400" dirty="0">
-                <a:latin typeface="Times New Roman" panose="02020603050405020304" pitchFamily="18" charset="0"/>
-                <a:cs typeface="Times New Roman" panose="02020603050405020304" pitchFamily="18" charset="0"/>
-              </a:rPr>
-              <a:t>e</a:t>
-            </a:r>
-            <a:r>
-              <a:rPr sz="1400" spc="-45" dirty="0">
-                <a:latin typeface="Times New Roman" panose="02020603050405020304" pitchFamily="18" charset="0"/>
-                <a:cs typeface="Times New Roman" panose="02020603050405020304" pitchFamily="18" charset="0"/>
-              </a:rPr>
-              <a:t> </a:t>
-            </a:r>
-            <a:r>
-              <a:rPr sz="1400" spc="-30" dirty="0">
-                <a:latin typeface="Times New Roman" panose="02020603050405020304" pitchFamily="18" charset="0"/>
-                <a:cs typeface="Times New Roman" panose="02020603050405020304" pitchFamily="18" charset="0"/>
-              </a:rPr>
-              <a:t>p</a:t>
-            </a:r>
-            <a:r>
-              <a:rPr sz="1400" spc="-20" dirty="0">
-                <a:latin typeface="Times New Roman" panose="02020603050405020304" pitchFamily="18" charset="0"/>
-                <a:cs typeface="Times New Roman" panose="02020603050405020304" pitchFamily="18" charset="0"/>
-              </a:rPr>
-              <a:t>r</a:t>
-            </a:r>
-            <a:r>
-              <a:rPr sz="1400" spc="-15" dirty="0">
-                <a:latin typeface="Times New Roman" panose="02020603050405020304" pitchFamily="18" charset="0"/>
-                <a:cs typeface="Times New Roman" panose="02020603050405020304" pitchFamily="18" charset="0"/>
-              </a:rPr>
-              <a:t>i</a:t>
-            </a:r>
-            <a:r>
-              <a:rPr sz="1400" spc="-30" dirty="0">
-                <a:latin typeface="Times New Roman" panose="02020603050405020304" pitchFamily="18" charset="0"/>
-                <a:cs typeface="Times New Roman" panose="02020603050405020304" pitchFamily="18" charset="0"/>
-              </a:rPr>
-              <a:t>n</a:t>
-            </a:r>
-            <a:r>
-              <a:rPr sz="1400" spc="-15" dirty="0">
-                <a:latin typeface="Times New Roman" panose="02020603050405020304" pitchFamily="18" charset="0"/>
-                <a:cs typeface="Times New Roman" panose="02020603050405020304" pitchFamily="18" charset="0"/>
-              </a:rPr>
-              <a:t>t</a:t>
-            </a:r>
-            <a:r>
-              <a:rPr sz="1400" spc="-30" dirty="0">
-                <a:latin typeface="Times New Roman" panose="02020603050405020304" pitchFamily="18" charset="0"/>
-                <a:cs typeface="Times New Roman" panose="02020603050405020304" pitchFamily="18" charset="0"/>
-              </a:rPr>
-              <a:t>e</a:t>
-            </a:r>
-            <a:r>
-              <a:rPr sz="1400" dirty="0">
-                <a:latin typeface="Times New Roman" panose="02020603050405020304" pitchFamily="18" charset="0"/>
-                <a:cs typeface="Times New Roman" panose="02020603050405020304" pitchFamily="18" charset="0"/>
-              </a:rPr>
-              <a:t>d</a:t>
-            </a:r>
-            <a:r>
-              <a:rPr sz="1400" spc="-45" dirty="0">
-                <a:latin typeface="Times New Roman" panose="02020603050405020304" pitchFamily="18" charset="0"/>
-                <a:cs typeface="Times New Roman" panose="02020603050405020304" pitchFamily="18" charset="0"/>
-              </a:rPr>
-              <a:t> </a:t>
-            </a:r>
-            <a:r>
-              <a:rPr sz="1400" dirty="0">
-                <a:latin typeface="Times New Roman" panose="02020603050405020304" pitchFamily="18" charset="0"/>
-                <a:cs typeface="Times New Roman" panose="02020603050405020304" pitchFamily="18" charset="0"/>
-              </a:rPr>
-              <a:t>a</a:t>
-            </a:r>
-            <a:r>
-              <a:rPr sz="1400" spc="-45" dirty="0">
-                <a:latin typeface="Times New Roman" panose="02020603050405020304" pitchFamily="18" charset="0"/>
-                <a:cs typeface="Times New Roman" panose="02020603050405020304" pitchFamily="18" charset="0"/>
-              </a:rPr>
-              <a:t> </a:t>
-            </a:r>
-            <a:r>
-              <a:rPr sz="1400" spc="-15" dirty="0">
-                <a:latin typeface="Times New Roman" panose="02020603050405020304" pitchFamily="18" charset="0"/>
-                <a:cs typeface="Times New Roman" panose="02020603050405020304" pitchFamily="18" charset="0"/>
-              </a:rPr>
-              <a:t>f</a:t>
-            </a:r>
-            <a:r>
-              <a:rPr sz="1400" spc="-30" dirty="0">
-                <a:latin typeface="Times New Roman" panose="02020603050405020304" pitchFamily="18" charset="0"/>
-                <a:cs typeface="Times New Roman" panose="02020603050405020304" pitchFamily="18" charset="0"/>
-              </a:rPr>
-              <a:t>e</a:t>
-            </a:r>
-            <a:r>
-              <a:rPr sz="1400" spc="-40" dirty="0">
-                <a:latin typeface="Times New Roman" panose="02020603050405020304" pitchFamily="18" charset="0"/>
-                <a:cs typeface="Times New Roman" panose="02020603050405020304" pitchFamily="18" charset="0"/>
-              </a:rPr>
-              <a:t>w</a:t>
-            </a:r>
-            <a:r>
-              <a:rPr sz="1400" dirty="0">
-                <a:latin typeface="Times New Roman" panose="02020603050405020304" pitchFamily="18" charset="0"/>
-                <a:cs typeface="Times New Roman" panose="02020603050405020304" pitchFamily="18" charset="0"/>
-              </a:rPr>
-              <a:t>…</a:t>
-            </a:r>
-            <a:r>
-              <a:rPr sz="1400" spc="-65" dirty="0">
-                <a:latin typeface="Times New Roman" panose="02020603050405020304" pitchFamily="18" charset="0"/>
-                <a:cs typeface="Times New Roman" panose="02020603050405020304" pitchFamily="18" charset="0"/>
-              </a:rPr>
-              <a:t> </a:t>
-            </a:r>
-            <a:r>
-              <a:rPr sz="1400" spc="-15" dirty="0">
-                <a:latin typeface="Times New Roman" panose="02020603050405020304" pitchFamily="18" charset="0"/>
-                <a:cs typeface="Times New Roman" panose="02020603050405020304" pitchFamily="18" charset="0"/>
-              </a:rPr>
-              <a:t>i</a:t>
-            </a:r>
-            <a:r>
-              <a:rPr sz="1400" dirty="0">
-                <a:latin typeface="Times New Roman" panose="02020603050405020304" pitchFamily="18" charset="0"/>
-                <a:cs typeface="Times New Roman" panose="02020603050405020304" pitchFamily="18" charset="0"/>
-              </a:rPr>
-              <a:t>f</a:t>
-            </a:r>
-            <a:r>
-              <a:rPr sz="1400" spc="-30" dirty="0">
-                <a:latin typeface="Times New Roman" panose="02020603050405020304" pitchFamily="18" charset="0"/>
-                <a:cs typeface="Times New Roman" panose="02020603050405020304" pitchFamily="18" charset="0"/>
-              </a:rPr>
-              <a:t> no</a:t>
-            </a:r>
-            <a:r>
-              <a:rPr sz="1400" dirty="0">
-                <a:latin typeface="Times New Roman" panose="02020603050405020304" pitchFamily="18" charset="0"/>
-                <a:cs typeface="Times New Roman" panose="02020603050405020304" pitchFamily="18" charset="0"/>
-              </a:rPr>
-              <a:t>t</a:t>
-            </a:r>
-            <a:r>
-              <a:rPr sz="1400" spc="-30" dirty="0">
-                <a:latin typeface="Times New Roman" panose="02020603050405020304" pitchFamily="18" charset="0"/>
-                <a:cs typeface="Times New Roman" panose="02020603050405020304" pitchFamily="18" charset="0"/>
-              </a:rPr>
-              <a:t> u</a:t>
-            </a:r>
-            <a:r>
-              <a:rPr sz="1400" spc="-25" dirty="0">
-                <a:latin typeface="Times New Roman" panose="02020603050405020304" pitchFamily="18" charset="0"/>
-                <a:cs typeface="Times New Roman" panose="02020603050405020304" pitchFamily="18" charset="0"/>
-              </a:rPr>
-              <a:t>s</a:t>
-            </a:r>
-            <a:r>
-              <a:rPr sz="1400" spc="-15" dirty="0">
-                <a:latin typeface="Times New Roman" panose="02020603050405020304" pitchFamily="18" charset="0"/>
-                <a:cs typeface="Times New Roman" panose="02020603050405020304" pitchFamily="18" charset="0"/>
-              </a:rPr>
-              <a:t>i</a:t>
-            </a:r>
-            <a:r>
-              <a:rPr sz="1400" spc="-30" dirty="0">
-                <a:latin typeface="Times New Roman" panose="02020603050405020304" pitchFamily="18" charset="0"/>
-                <a:cs typeface="Times New Roman" panose="02020603050405020304" pitchFamily="18" charset="0"/>
-              </a:rPr>
-              <a:t>n</a:t>
-            </a:r>
-            <a:r>
-              <a:rPr sz="1400" dirty="0">
-                <a:latin typeface="Times New Roman" panose="02020603050405020304" pitchFamily="18" charset="0"/>
-                <a:cs typeface="Times New Roman" panose="02020603050405020304" pitchFamily="18" charset="0"/>
-              </a:rPr>
-              <a:t>g</a:t>
-            </a:r>
-            <a:r>
-              <a:rPr sz="1400" spc="-50" dirty="0">
-                <a:latin typeface="Times New Roman" panose="02020603050405020304" pitchFamily="18" charset="0"/>
-                <a:cs typeface="Times New Roman" panose="02020603050405020304" pitchFamily="18" charset="0"/>
-              </a:rPr>
-              <a:t> </a:t>
-            </a:r>
-            <a:r>
-              <a:rPr sz="1400" spc="-30" dirty="0">
-                <a:latin typeface="Times New Roman" panose="02020603050405020304" pitchFamily="18" charset="0"/>
-                <a:cs typeface="Times New Roman" panose="02020603050405020304" pitchFamily="18" charset="0"/>
-              </a:rPr>
-              <a:t>cdec</a:t>
-            </a:r>
-            <a:r>
-              <a:rPr sz="1400" spc="-15" dirty="0">
-                <a:latin typeface="Times New Roman" panose="02020603050405020304" pitchFamily="18" charset="0"/>
-                <a:cs typeface="Times New Roman" panose="02020603050405020304" pitchFamily="18" charset="0"/>
-              </a:rPr>
-              <a:t>l</a:t>
-            </a:r>
-            <a:r>
-              <a:rPr sz="1400" dirty="0">
-                <a:latin typeface="Times New Roman" panose="02020603050405020304" pitchFamily="18" charset="0"/>
-                <a:cs typeface="Times New Roman" panose="02020603050405020304" pitchFamily="18" charset="0"/>
-              </a:rPr>
-              <a:t>)</a:t>
-            </a:r>
           </a:p>
           <a:p>
             <a:pPr>
@@ -19476,7 +19806,7 @@
 </p:sld>
 </file>
 
-<file path=ppt/slides/slide35.xml><?xml version="1.0" encoding="utf-8"?>
+<file path=ppt/slides/slide36.xml><?xml version="1.0" encoding="utf-8"?>
 <p:sld xmlns:a="http://schemas.openxmlformats.org/drawingml/2006/main" xmlns:r="http://schemas.openxmlformats.org/officeDocument/2006/relationships" xmlns:p="http://schemas.openxmlformats.org/presentationml/2006/main">
   <p:cSld>
     <p:spTree>
@@ -19500,7 +19830,7 @@
           <p:nvPr/>
         </p:nvPicPr>
         <p:blipFill>
-          <a:blip r:embed="rId2" cstate="print"/>
+          <a:blip r:embed="rId3" cstate="print"/>
           <a:stretch>
             <a:fillRect/>
           </a:stretch>
@@ -19522,7 +19852,7 @@
           <p:nvPr/>
         </p:nvPicPr>
         <p:blipFill>
-          <a:blip r:embed="rId3" cstate="print"/>
+          <a:blip r:embed="rId4" cstate="print"/>
           <a:stretch>
             <a:fillRect/>
           </a:stretch>
@@ -19607,7 +19937,7 @@
 </p:sld>
 </file>
 
-<file path=ppt/slides/slide36.xml><?xml version="1.0" encoding="utf-8"?>
+<file path=ppt/slides/slide37.xml><?xml version="1.0" encoding="utf-8"?>
 <p:sld xmlns:a="http://schemas.openxmlformats.org/drawingml/2006/main" xmlns:r="http://schemas.openxmlformats.org/officeDocument/2006/relationships" xmlns:p="http://schemas.openxmlformats.org/presentationml/2006/main">
   <p:cSld>
     <p:spTree>
@@ -20210,7 +20540,7 @@
 </p:sld>
 </file>
 
-<file path=ppt/slides/slide37.xml><?xml version="1.0" encoding="utf-8"?>
+<file path=ppt/slides/slide38.xml><?xml version="1.0" encoding="utf-8"?>
 <p:sld xmlns:a="http://schemas.openxmlformats.org/drawingml/2006/main" xmlns:r="http://schemas.openxmlformats.org/officeDocument/2006/relationships" xmlns:p="http://schemas.openxmlformats.org/presentationml/2006/main">
   <p:cSld>
     <p:spTree>
@@ -20744,7 +21074,7 @@
 </p:sld>
 </file>
 
-<file path=ppt/slides/slide38.xml><?xml version="1.0" encoding="utf-8"?>
+<file path=ppt/slides/slide39.xml><?xml version="1.0" encoding="utf-8"?>
 <p:sld xmlns:a="http://schemas.openxmlformats.org/drawingml/2006/main" xmlns:r="http://schemas.openxmlformats.org/officeDocument/2006/relationships" xmlns:p="http://schemas.openxmlformats.org/presentationml/2006/main">
   <p:cSld>
     <p:spTree>
@@ -24020,4 +24350,299 @@
     </a:ext>
   </a:extLst>
 </a:theme>
+</file>
+
+<file path=ppt/theme/theme2.xml><?xml version="1.0" encoding="utf-8"?>
+<a:theme xmlns:a="http://schemas.openxmlformats.org/drawingml/2006/main" name="Office Theme">
+  <a:themeElements>
+    <a:clrScheme name="Office">
+      <a:dk1>
+        <a:sysClr val="windowText" lastClr="000000"/>
+      </a:dk1>
+      <a:lt1>
+        <a:sysClr val="window" lastClr="FFFFFF"/>
+      </a:lt1>
+      <a:dk2>
+        <a:srgbClr val="44546A"/>
+      </a:dk2>
+      <a:lt2>
+        <a:srgbClr val="E7E6E6"/>
+      </a:lt2>
+      <a:accent1>
+        <a:srgbClr val="4472C4"/>
+      </a:accent1>
+      <a:accent2>
+        <a:srgbClr val="ED7D31"/>
+      </a:accent2>
+      <a:accent3>
+        <a:srgbClr val="A5A5A5"/>
+      </a:accent3>
+      <a:accent4>
+        <a:srgbClr val="FFC000"/>
+      </a:accent4>
+      <a:accent5>
+        <a:srgbClr val="5B9BD5"/>
+      </a:accent5>
+      <a:accent6>
+        <a:srgbClr val="70AD47"/>
+      </a:accent6>
+      <a:hlink>
+        <a:srgbClr val="0563C1"/>
+      </a:hlink>
+      <a:folHlink>
+        <a:srgbClr val="954F72"/>
+      </a:folHlink>
+    </a:clrScheme>
+    <a:fontScheme name="Office">
+      <a:majorFont>
+        <a:latin typeface="Calibri Light" panose="020F0302020204030204"/>
+        <a:ea typeface=""/>
+        <a:cs typeface=""/>
+        <a:font script="Jpan" typeface="游ゴシック Light"/>
+        <a:font script="Hang" typeface="맑은 고딕"/>
+        <a:font script="Hans" typeface="等线 Light"/>
+        <a:font script="Hant" typeface="新細明體"/>
+        <a:font script="Arab" typeface="Times New Roman"/>
+        <a:font script="Hebr" typeface="Times New Roman"/>
+        <a:font script="Thai" typeface="Angsana New"/>
+        <a:font script="Ethi" typeface="Nyala"/>
+        <a:font script="Beng" typeface="Vrinda"/>
+        <a:font script="Gujr" typeface="Shruti"/>
+        <a:font script="Khmr" typeface="MoolBoran"/>
+        <a:font script="Knda" typeface="Tunga"/>
+        <a:font script="Guru" typeface="Raavi"/>
+        <a:font script="Cans" typeface="Euphemia"/>
+        <a:font script="Cher" typeface="Plantagenet Cherokee"/>
+        <a:font script="Yiii" typeface="Microsoft Yi Baiti"/>
+        <a:font script="Tibt" typeface="Microsoft Himalaya"/>
+        <a:font script="Thaa" typeface="MV Boli"/>
+        <a:font script="Deva" typeface="Mangal"/>
+        <a:font script="Telu" typeface="Gautami"/>
+        <a:font script="Taml" typeface="Latha"/>
+        <a:font script="Syrc" typeface="Estrangelo Edessa"/>
+        <a:font script="Orya" typeface="Kalinga"/>
+        <a:font script="Mlym" typeface="Kartika"/>
+        <a:font script="Laoo" typeface="DokChampa"/>
+        <a:font script="Sinh" typeface="Iskoola Pota"/>
+        <a:font script="Mong" typeface="Mongolian Baiti"/>
+        <a:font script="Viet" typeface="Times New Roman"/>
+        <a:font script="Uigh" typeface="Microsoft Uighur"/>
+        <a:font script="Geor" typeface="Sylfaen"/>
+        <a:font script="Armn" typeface="Arial"/>
+        <a:font script="Bugi" typeface="Leelawadee UI"/>
+        <a:font script="Bopo" typeface="Microsoft JhengHei"/>
+        <a:font script="Java" typeface="Javanese Text"/>
+        <a:font script="Lisu" typeface="Segoe UI"/>
+        <a:font script="Mymr" typeface="Myanmar Text"/>
+        <a:font script="Nkoo" typeface="Ebrima"/>
+        <a:font script="Olck" typeface="Nirmala UI"/>
+        <a:font script="Osma" typeface="Ebrima"/>
+        <a:font script="Phag" typeface="Phagspa"/>
+        <a:font script="Syrn" typeface="Estrangelo Edessa"/>
+        <a:font script="Syrj" typeface="Estrangelo Edessa"/>
+        <a:font script="Syre" typeface="Estrangelo Edessa"/>
+        <a:font script="Sora" typeface="Nirmala UI"/>
+        <a:font script="Tale" typeface="Microsoft Tai Le"/>
+        <a:font script="Talu" typeface="Microsoft New Tai Lue"/>
+        <a:font script="Tfng" typeface="Ebrima"/>
+      </a:majorFont>
+      <a:minorFont>
+        <a:latin typeface="Calibri" panose="020F0502020204030204"/>
+        <a:ea typeface=""/>
+        <a:cs typeface=""/>
+        <a:font script="Jpan" typeface="游ゴシック"/>
+        <a:font script="Hang" typeface="맑은 고딕"/>
+        <a:font script="Hans" typeface="等线"/>
+        <a:font script="Hant" typeface="新細明體"/>
+        <a:font script="Arab" typeface="Arial"/>
+        <a:font script="Hebr" typeface="Arial"/>
+        <a:font script="Thai" typeface="Cordia New"/>
+        <a:font script="Ethi" typeface="Nyala"/>
+        <a:font script="Beng" typeface="Vrinda"/>
+        <a:font script="Gujr" typeface="Shruti"/>
+        <a:font script="Khmr" typeface="DaunPenh"/>
+        <a:font script="Knda" typeface="Tunga"/>
+        <a:font script="Guru" typeface="Raavi"/>
+        <a:font script="Cans" typeface="Euphemia"/>
+        <a:font script="Cher" typeface="Plantagenet Cherokee"/>
+        <a:font script="Yiii" typeface="Microsoft Yi Baiti"/>
+        <a:font script="Tibt" typeface="Microsoft Himalaya"/>
+        <a:font script="Thaa" typeface="MV Boli"/>
+        <a:font script="Deva" typeface="Mangal"/>
+        <a:font script="Telu" typeface="Gautami"/>
+        <a:font script="Taml" typeface="Latha"/>
+        <a:font script="Syrc" typeface="Estrangelo Edessa"/>
+        <a:font script="Orya" typeface="Kalinga"/>
+        <a:font script="Mlym" typeface="Kartika"/>
+        <a:font script="Laoo" typeface="DokChampa"/>
+        <a:font script="Sinh" typeface="Iskoola Pota"/>
+        <a:font script="Mong" typeface="Mongolian Baiti"/>
+        <a:font script="Viet" typeface="Arial"/>
+        <a:font script="Uigh" typeface="Microsoft Uighur"/>
+        <a:font script="Geor" typeface="Sylfaen"/>
+        <a:font script="Armn" typeface="Arial"/>
+        <a:font script="Bugi" typeface="Leelawadee UI"/>
+        <a:font script="Bopo" typeface="Microsoft JhengHei"/>
+        <a:font script="Java" typeface="Javanese Text"/>
+        <a:font script="Lisu" typeface="Segoe UI"/>
+        <a:font script="Mymr" typeface="Myanmar Text"/>
+        <a:font script="Nkoo" typeface="Ebrima"/>
+        <a:font script="Olck" typeface="Nirmala UI"/>
+        <a:font script="Osma" typeface="Ebrima"/>
+        <a:font script="Phag" typeface="Phagspa"/>
+        <a:font script="Syrn" typeface="Estrangelo Edessa"/>
+        <a:font script="Syrj" typeface="Estrangelo Edessa"/>
+        <a:font script="Syre" typeface="Estrangelo Edessa"/>
+        <a:font script="Sora" typeface="Nirmala UI"/>
+        <a:font script="Tale" typeface="Microsoft Tai Le"/>
+        <a:font script="Talu" typeface="Microsoft New Tai Lue"/>
+        <a:font script="Tfng" typeface="Ebrima"/>
+      </a:minorFont>
+    </a:fontScheme>
+    <a:fmtScheme name="Office">
+      <a:fillStyleLst>
+        <a:solidFill>
+          <a:schemeClr val="phClr"/>
+        </a:solidFill>
+        <a:gradFill rotWithShape="1">
+          <a:gsLst>
+            <a:gs pos="0">
+              <a:schemeClr val="phClr">
+                <a:lumMod val="110000"/>
+                <a:satMod val="105000"/>
+                <a:tint val="67000"/>
+              </a:schemeClr>
+            </a:gs>
+            <a:gs pos="50000">
+              <a:schemeClr val="phClr">
+                <a:lumMod val="105000"/>
+                <a:satMod val="103000"/>
+                <a:tint val="73000"/>
+              </a:schemeClr>
+            </a:gs>
+            <a:gs pos="100000">
+              <a:schemeClr val="phClr">
+                <a:lumMod val="105000"/>
+                <a:satMod val="109000"/>
+                <a:tint val="81000"/>
+              </a:schemeClr>
+            </a:gs>
+          </a:gsLst>
+          <a:lin ang="5400000" scaled="0"/>
+        </a:gradFill>
+        <a:gradFill rotWithShape="1">
+          <a:gsLst>
+            <a:gs pos="0">
+              <a:schemeClr val="phClr">
+                <a:satMod val="103000"/>
+                <a:lumMod val="102000"/>
+                <a:tint val="94000"/>
+              </a:schemeClr>
+            </a:gs>
+            <a:gs pos="50000">
+              <a:schemeClr val="phClr">
+                <a:satMod val="110000"/>
+                <a:lumMod val="100000"/>
+                <a:shade val="100000"/>
+              </a:schemeClr>
+            </a:gs>
+            <a:gs pos="100000">
+              <a:schemeClr val="phClr">
+                <a:lumMod val="99000"/>
+                <a:satMod val="120000"/>
+                <a:shade val="78000"/>
+              </a:schemeClr>
+            </a:gs>
+          </a:gsLst>
+          <a:lin ang="5400000" scaled="0"/>
+        </a:gradFill>
+      </a:fillStyleLst>
+      <a:lnStyleLst>
+        <a:ln w="6350" cap="flat" cmpd="sng" algn="ctr">
+          <a:solidFill>
+            <a:schemeClr val="phClr"/>
+          </a:solidFill>
+          <a:prstDash val="solid"/>
+          <a:miter lim="800000"/>
+        </a:ln>
+        <a:ln w="12700" cap="flat" cmpd="sng" algn="ctr">
+          <a:solidFill>
+            <a:schemeClr val="phClr"/>
+          </a:solidFill>
+          <a:prstDash val="solid"/>
+          <a:miter lim="800000"/>
+        </a:ln>
+        <a:ln w="19050" cap="flat" cmpd="sng" algn="ctr">
+          <a:solidFill>
+            <a:schemeClr val="phClr"/>
+          </a:solidFill>
+          <a:prstDash val="solid"/>
+          <a:miter lim="800000"/>
+        </a:ln>
+      </a:lnStyleLst>
+      <a:effectStyleLst>
+        <a:effectStyle>
+          <a:effectLst/>
+        </a:effectStyle>
+        <a:effectStyle>
+          <a:effectLst/>
+        </a:effectStyle>
+        <a:effectStyle>
+          <a:effectLst>
+            <a:outerShdw blurRad="57150" dist="19050" dir="5400000" algn="ctr" rotWithShape="0">
+              <a:srgbClr val="000000">
+                <a:alpha val="63000"/>
+              </a:srgbClr>
+            </a:outerShdw>
+          </a:effectLst>
+        </a:effectStyle>
+      </a:effectStyleLst>
+      <a:bgFillStyleLst>
+        <a:solidFill>
+          <a:schemeClr val="phClr"/>
+        </a:solidFill>
+        <a:solidFill>
+          <a:schemeClr val="phClr">
+            <a:tint val="95000"/>
+            <a:satMod val="170000"/>
+          </a:schemeClr>
+        </a:solidFill>
+        <a:gradFill rotWithShape="1">
+          <a:gsLst>
+            <a:gs pos="0">
+              <a:schemeClr val="phClr">
+                <a:tint val="93000"/>
+                <a:satMod val="150000"/>
+                <a:shade val="98000"/>
+                <a:lumMod val="102000"/>
+              </a:schemeClr>
+            </a:gs>
+            <a:gs pos="50000">
+              <a:schemeClr val="phClr">
+                <a:tint val="98000"/>
+                <a:satMod val="130000"/>
+                <a:shade val="90000"/>
+                <a:lumMod val="103000"/>
+              </a:schemeClr>
+            </a:gs>
+            <a:gs pos="100000">
+              <a:schemeClr val="phClr">
+                <a:shade val="63000"/>
+                <a:satMod val="120000"/>
+              </a:schemeClr>
+            </a:gs>
+          </a:gsLst>
+          <a:lin ang="5400000" scaled="0"/>
+        </a:gradFill>
+      </a:bgFillStyleLst>
+    </a:fmtScheme>
+  </a:themeElements>
+  <a:objectDefaults/>
+  <a:extraClrSchemeLst/>
+  <a:extLst>
+    <a:ext uri="{05A4C25C-085E-4340-85A3-A5531E510DB2}">
+      <thm15:themeFamily xmlns:thm15="http://schemas.microsoft.com/office/thememl/2012/main" name="Office Theme 2013 - 2022" id="{62F939B6-93AF-4DB8-9C6B-D6C7DFDC589F}" vid="{4A3C46E8-61CC-4603-A589-7422A47A8E4A}"/>
+    </a:ext>
+  </a:extLst>
+</a:theme>
 </file>
--- a/docs/slides/Intro to Software Security.pptx
+++ b/docs/slides/Intro to Software Security.pptx
@@ -5,7 +5,7 @@
     <p:sldMasterId id="2147483666" r:id="rId1"/>
   </p:sldMasterIdLst>
   <p:notesMasterIdLst>
-    <p:notesMasterId r:id="rId41"/>
+    <p:notesMasterId r:id="rId40"/>
   </p:notesMasterIdLst>
   <p:sldIdLst>
     <p:sldId id="256" r:id="rId2"/>
@@ -46,7 +46,6 @@
     <p:sldId id="289" r:id="rId37"/>
     <p:sldId id="290" r:id="rId38"/>
     <p:sldId id="291" r:id="rId39"/>
-    <p:sldId id="292" r:id="rId40"/>
   </p:sldIdLst>
   <p:sldSz cx="6858000" cy="5143500"/>
   <p:notesSz cx="6858000" cy="5143500"/>
@@ -177,7 +176,7 @@
   <pc:docChgLst>
     <pc:chgData name="Sana Belguith" userId="edaa0afb-4621-4165-af1d-05ed505f7999" providerId="ADAL" clId="{5601230A-EF3C-42B0-84F0-BE9EB17FEAD2}"/>
     <pc:docChg chg="undo custSel addSld delSld modSld sldOrd modMainMaster">
-      <pc:chgData name="Sana Belguith" userId="edaa0afb-4621-4165-af1d-05ed505f7999" providerId="ADAL" clId="{5601230A-EF3C-42B0-84F0-BE9EB17FEAD2}" dt="2023-03-16T09:17:20.102" v="1154" actId="20577"/>
+      <pc:chgData name="Sana Belguith" userId="edaa0afb-4621-4165-af1d-05ed505f7999" providerId="ADAL" clId="{5601230A-EF3C-42B0-84F0-BE9EB17FEAD2}" dt="2023-03-16T10:33:05.793" v="1158" actId="47"/>
       <pc:docMkLst>
         <pc:docMk/>
       </pc:docMkLst>
@@ -1147,13 +1146,13 @@
         </pc:spChg>
       </pc:sldChg>
       <pc:sldChg chg="modSp add mod">
-        <pc:chgData name="Sana Belguith" userId="edaa0afb-4621-4165-af1d-05ed505f7999" providerId="ADAL" clId="{5601230A-EF3C-42B0-84F0-BE9EB17FEAD2}" dt="2023-03-16T08:54:59.818" v="776" actId="5793"/>
+        <pc:chgData name="Sana Belguith" userId="edaa0afb-4621-4165-af1d-05ed505f7999" providerId="ADAL" clId="{5601230A-EF3C-42B0-84F0-BE9EB17FEAD2}" dt="2023-03-16T10:27:36.757" v="1157" actId="20577"/>
         <pc:sldMkLst>
           <pc:docMk/>
           <pc:sldMk cId="822592363" sldId="282"/>
         </pc:sldMkLst>
         <pc:spChg chg="mod">
-          <ac:chgData name="Sana Belguith" userId="edaa0afb-4621-4165-af1d-05ed505f7999" providerId="ADAL" clId="{5601230A-EF3C-42B0-84F0-BE9EB17FEAD2}" dt="2023-03-16T08:54:59.818" v="776" actId="5793"/>
+          <ac:chgData name="Sana Belguith" userId="edaa0afb-4621-4165-af1d-05ed505f7999" providerId="ADAL" clId="{5601230A-EF3C-42B0-84F0-BE9EB17FEAD2}" dt="2023-03-16T10:27:36.757" v="1157" actId="20577"/>
           <ac:spMkLst>
             <pc:docMk/>
             <pc:sldMk cId="822592363" sldId="282"/>
@@ -1296,8 +1295,8 @@
           </ac:spMkLst>
         </pc:spChg>
       </pc:sldChg>
-      <pc:sldChg chg="modSp add mod">
-        <pc:chgData name="Sana Belguith" userId="edaa0afb-4621-4165-af1d-05ed505f7999" providerId="ADAL" clId="{5601230A-EF3C-42B0-84F0-BE9EB17FEAD2}" dt="2023-03-09T08:40:22.958" v="664" actId="2711"/>
+      <pc:sldChg chg="modSp add del mod">
+        <pc:chgData name="Sana Belguith" userId="edaa0afb-4621-4165-af1d-05ed505f7999" providerId="ADAL" clId="{5601230A-EF3C-42B0-84F0-BE9EB17FEAD2}" dt="2023-03-16T10:33:05.793" v="1158" actId="47"/>
         <pc:sldMkLst>
           <pc:docMk/>
           <pc:sldMk cId="0" sldId="292"/>
@@ -15623,7 +15622,7 @@
             </a:endParaRPr>
           </a:p>
           <a:p>
-            <a:pPr marL="207010" marR="43180" indent="-156210">
+            <a:pPr marL="50800" marR="43180" indent="0">
               <a:lnSpc>
                 <a:spcPts val="2060"/>
               </a:lnSpc>
@@ -15631,8 +15630,7 @@
                 <a:srgbClr val="000000"/>
               </a:buClr>
               <a:buSzPct val="84210"/>
-              <a:buFont typeface="Lucida Sans Unicode"/>
-              <a:buChar char="▪"/>
+              <a:buNone/>
               <a:tabLst>
                 <a:tab pos="207010" algn="l"/>
               </a:tabLst>
@@ -21063,574 +21061,6 @@
               <a:latin typeface="Times New Roman" panose="02020603050405020304" pitchFamily="18" charset="0"/>
               <a:cs typeface="Times New Roman" panose="02020603050405020304" pitchFamily="18" charset="0"/>
             </a:endParaRPr>
-          </a:p>
-        </p:txBody>
-      </p:sp>
-    </p:spTree>
-  </p:cSld>
-  <p:clrMapOvr>
-    <a:masterClrMapping/>
-  </p:clrMapOvr>
-</p:sld>
-</file>
-
-<file path=ppt/slides/slide39.xml><?xml version="1.0" encoding="utf-8"?>
-<p:sld xmlns:a="http://schemas.openxmlformats.org/drawingml/2006/main" xmlns:r="http://schemas.openxmlformats.org/officeDocument/2006/relationships" xmlns:p="http://schemas.openxmlformats.org/presentationml/2006/main">
-  <p:cSld>
-    <p:spTree>
-      <p:nvGrpSpPr>
-        <p:cNvPr id="1" name=""/>
-        <p:cNvGrpSpPr/>
-        <p:nvPr/>
-      </p:nvGrpSpPr>
-      <p:grpSpPr>
-        <a:xfrm>
-          <a:off x="0" y="0"/>
-          <a:ext cx="0" cy="0"/>
-          <a:chOff x="0" y="0"/>
-          <a:chExt cx="0" cy="0"/>
-        </a:xfrm>
-      </p:grpSpPr>
-      <p:sp>
-        <p:nvSpPr>
-          <p:cNvPr id="2" name="object 2"/>
-          <p:cNvSpPr txBox="1">
-            <a:spLocks noGrp="1"/>
-          </p:cNvSpPr>
-          <p:nvPr>
-            <p:ph type="title"/>
-          </p:nvPr>
-        </p:nvSpPr>
-        <p:spPr>
-          <a:xfrm>
-            <a:off x="597520" y="133350"/>
-            <a:ext cx="5662960" cy="505267"/>
-          </a:xfrm>
-          <a:prstGeom prst="rect">
-            <a:avLst/>
-          </a:prstGeom>
-        </p:spPr>
-        <p:txBody>
-          <a:bodyPr vert="horz" wrap="square" lIns="0" tIns="12700" rIns="0" bIns="0" rtlCol="0">
-            <a:spAutoFit/>
-          </a:bodyPr>
-          <a:lstStyle/>
-          <a:p>
-            <a:pPr marL="12700">
-              <a:lnSpc>
-                <a:spcPct val="100000"/>
-              </a:lnSpc>
-              <a:spcBef>
-                <a:spcPts val="100"/>
-              </a:spcBef>
-            </a:pPr>
-            <a:r>
-              <a:rPr sz="3200" spc="-5" dirty="0">
-                <a:latin typeface="Times New Roman" panose="02020603050405020304" pitchFamily="18" charset="0"/>
-                <a:cs typeface="Times New Roman" panose="02020603050405020304" pitchFamily="18" charset="0"/>
-              </a:rPr>
-              <a:t>Why is this even still a thing?</a:t>
-            </a:r>
-          </a:p>
-        </p:txBody>
-      </p:sp>
-      <p:sp>
-        <p:nvSpPr>
-          <p:cNvPr id="3" name="object 3"/>
-          <p:cNvSpPr txBox="1"/>
-          <p:nvPr/>
-        </p:nvSpPr>
-        <p:spPr>
-          <a:xfrm>
-            <a:off x="356840" y="1362964"/>
-            <a:ext cx="6065520" cy="721360"/>
-          </a:xfrm>
-          <a:prstGeom prst="rect">
-            <a:avLst/>
-          </a:prstGeom>
-        </p:spPr>
-        <p:txBody>
-          <a:bodyPr vert="horz" wrap="square" lIns="0" tIns="43180" rIns="0" bIns="0" rtlCol="0">
-            <a:spAutoFit/>
-          </a:bodyPr>
-          <a:lstStyle/>
-          <a:p>
-            <a:pPr marL="140970" marR="5080" indent="-128905">
-              <a:lnSpc>
-                <a:spcPts val="1700"/>
-              </a:lnSpc>
-              <a:spcBef>
-                <a:spcPts val="340"/>
-              </a:spcBef>
-              <a:buSzPct val="81250"/>
-              <a:buFont typeface="Wingdings"/>
-              <a:buChar char=""/>
-              <a:tabLst>
-                <a:tab pos="141605" algn="l"/>
-              </a:tabLst>
-            </a:pPr>
-            <a:r>
-              <a:rPr sz="1600" spc="-30" dirty="0">
-                <a:latin typeface="Times New Roman" panose="02020603050405020304" pitchFamily="18" charset="0"/>
-                <a:cs typeface="Times New Roman" panose="02020603050405020304" pitchFamily="18" charset="0"/>
-              </a:rPr>
-              <a:t>We </a:t>
-            </a:r>
-            <a:r>
-              <a:rPr sz="1600" spc="-15" dirty="0">
-                <a:latin typeface="Times New Roman" panose="02020603050405020304" pitchFamily="18" charset="0"/>
-                <a:cs typeface="Times New Roman" panose="02020603050405020304" pitchFamily="18" charset="0"/>
-              </a:rPr>
-              <a:t>don’t need</a:t>
-            </a:r>
-            <a:r>
-              <a:rPr sz="1600" spc="-25" dirty="0">
-                <a:latin typeface="Times New Roman" panose="02020603050405020304" pitchFamily="18" charset="0"/>
-                <a:cs typeface="Times New Roman" panose="02020603050405020304" pitchFamily="18" charset="0"/>
-              </a:rPr>
-              <a:t> </a:t>
-            </a:r>
-            <a:r>
-              <a:rPr sz="1600" spc="-15" dirty="0">
-                <a:latin typeface="Times New Roman" panose="02020603050405020304" pitchFamily="18" charset="0"/>
-                <a:cs typeface="Times New Roman" panose="02020603050405020304" pitchFamily="18" charset="0"/>
-              </a:rPr>
-              <a:t>dangerous</a:t>
-            </a:r>
-            <a:r>
-              <a:rPr sz="1600" spc="-20" dirty="0">
-                <a:latin typeface="Times New Roman" panose="02020603050405020304" pitchFamily="18" charset="0"/>
-                <a:cs typeface="Times New Roman" panose="02020603050405020304" pitchFamily="18" charset="0"/>
-              </a:rPr>
-              <a:t> </a:t>
-            </a:r>
-            <a:r>
-              <a:rPr sz="1600" spc="-10" dirty="0">
-                <a:latin typeface="Times New Roman" panose="02020603050405020304" pitchFamily="18" charset="0"/>
-                <a:cs typeface="Times New Roman" panose="02020603050405020304" pitchFamily="18" charset="0"/>
-              </a:rPr>
-              <a:t>cruft</a:t>
-            </a:r>
-            <a:r>
-              <a:rPr sz="1600" spc="-15" dirty="0">
-                <a:latin typeface="Times New Roman" panose="02020603050405020304" pitchFamily="18" charset="0"/>
-                <a:cs typeface="Times New Roman" panose="02020603050405020304" pitchFamily="18" charset="0"/>
-              </a:rPr>
-              <a:t> </a:t>
-            </a:r>
-            <a:r>
-              <a:rPr sz="1600" spc="-10" dirty="0">
-                <a:latin typeface="Times New Roman" panose="02020603050405020304" pitchFamily="18" charset="0"/>
-                <a:cs typeface="Times New Roman" panose="02020603050405020304" pitchFamily="18" charset="0"/>
-              </a:rPr>
-              <a:t>from</a:t>
-            </a:r>
-            <a:r>
-              <a:rPr sz="1600" spc="-30" dirty="0">
-                <a:latin typeface="Times New Roman" panose="02020603050405020304" pitchFamily="18" charset="0"/>
-                <a:cs typeface="Times New Roman" panose="02020603050405020304" pitchFamily="18" charset="0"/>
-              </a:rPr>
-              <a:t> </a:t>
-            </a:r>
-            <a:r>
-              <a:rPr sz="1600" spc="-10" dirty="0">
-                <a:latin typeface="Times New Roman" panose="02020603050405020304" pitchFamily="18" charset="0"/>
-                <a:cs typeface="Times New Roman" panose="02020603050405020304" pitchFamily="18" charset="0"/>
-              </a:rPr>
-              <a:t>the</a:t>
-            </a:r>
-            <a:r>
-              <a:rPr sz="1600" spc="-25" dirty="0">
-                <a:latin typeface="Times New Roman" panose="02020603050405020304" pitchFamily="18" charset="0"/>
-                <a:cs typeface="Times New Roman" panose="02020603050405020304" pitchFamily="18" charset="0"/>
-              </a:rPr>
-              <a:t> </a:t>
-            </a:r>
-            <a:r>
-              <a:rPr sz="1600" spc="-15" dirty="0">
-                <a:latin typeface="Times New Roman" panose="02020603050405020304" pitchFamily="18" charset="0"/>
-                <a:cs typeface="Times New Roman" panose="02020603050405020304" pitchFamily="18" charset="0"/>
-              </a:rPr>
-              <a:t>1970s</a:t>
-            </a:r>
-            <a:r>
-              <a:rPr sz="1600" spc="-20" dirty="0">
-                <a:latin typeface="Times New Roman" panose="02020603050405020304" pitchFamily="18" charset="0"/>
-                <a:cs typeface="Times New Roman" panose="02020603050405020304" pitchFamily="18" charset="0"/>
-              </a:rPr>
-              <a:t> </a:t>
-            </a:r>
-            <a:r>
-              <a:rPr sz="1600" spc="-5" dirty="0">
-                <a:latin typeface="Times New Roman" panose="02020603050405020304" pitchFamily="18" charset="0"/>
-                <a:cs typeface="Times New Roman" panose="02020603050405020304" pitchFamily="18" charset="0"/>
-              </a:rPr>
-              <a:t>in</a:t>
-            </a:r>
-            <a:r>
-              <a:rPr sz="1600" spc="-25" dirty="0">
-                <a:latin typeface="Times New Roman" panose="02020603050405020304" pitchFamily="18" charset="0"/>
-                <a:cs typeface="Times New Roman" panose="02020603050405020304" pitchFamily="18" charset="0"/>
-              </a:rPr>
-              <a:t> </a:t>
-            </a:r>
-            <a:r>
-              <a:rPr sz="1600" spc="-10" dirty="0">
-                <a:latin typeface="Times New Roman" panose="02020603050405020304" pitchFamily="18" charset="0"/>
-                <a:cs typeface="Times New Roman" panose="02020603050405020304" pitchFamily="18" charset="0"/>
-              </a:rPr>
-              <a:t>our</a:t>
-            </a:r>
-            <a:r>
-              <a:rPr sz="1600" spc="-15" dirty="0">
-                <a:latin typeface="Times New Roman" panose="02020603050405020304" pitchFamily="18" charset="0"/>
-                <a:cs typeface="Times New Roman" panose="02020603050405020304" pitchFamily="18" charset="0"/>
-              </a:rPr>
-              <a:t> programming </a:t>
-            </a:r>
-            <a:r>
-              <a:rPr sz="1600" spc="-430" dirty="0">
-                <a:latin typeface="Times New Roman" panose="02020603050405020304" pitchFamily="18" charset="0"/>
-                <a:cs typeface="Times New Roman" panose="02020603050405020304" pitchFamily="18" charset="0"/>
-              </a:rPr>
-              <a:t> </a:t>
-            </a:r>
-            <a:r>
-              <a:rPr sz="1600" spc="-15" dirty="0">
-                <a:latin typeface="Times New Roman" panose="02020603050405020304" pitchFamily="18" charset="0"/>
-                <a:cs typeface="Times New Roman" panose="02020603050405020304" pitchFamily="18" charset="0"/>
-              </a:rPr>
-              <a:t>languages</a:t>
-            </a:r>
-            <a:r>
-              <a:rPr sz="1600" spc="-25" dirty="0">
-                <a:latin typeface="Times New Roman" panose="02020603050405020304" pitchFamily="18" charset="0"/>
-                <a:cs typeface="Times New Roman" panose="02020603050405020304" pitchFamily="18" charset="0"/>
-              </a:rPr>
-              <a:t> </a:t>
-            </a:r>
-            <a:r>
-              <a:rPr sz="1600" spc="-10" dirty="0">
-                <a:latin typeface="Times New Roman" panose="02020603050405020304" pitchFamily="18" charset="0"/>
-                <a:cs typeface="Times New Roman" panose="02020603050405020304" pitchFamily="18" charset="0"/>
-              </a:rPr>
-              <a:t>just</a:t>
-            </a:r>
-            <a:r>
-              <a:rPr sz="1600" spc="-15" dirty="0">
-                <a:latin typeface="Times New Roman" panose="02020603050405020304" pitchFamily="18" charset="0"/>
-                <a:cs typeface="Times New Roman" panose="02020603050405020304" pitchFamily="18" charset="0"/>
-              </a:rPr>
-              <a:t> </a:t>
-            </a:r>
-            <a:r>
-              <a:rPr sz="1600" spc="-5" dirty="0">
-                <a:latin typeface="Times New Roman" panose="02020603050405020304" pitchFamily="18" charset="0"/>
-                <a:cs typeface="Times New Roman" panose="02020603050405020304" pitchFamily="18" charset="0"/>
-              </a:rPr>
-              <a:t>to</a:t>
-            </a:r>
-            <a:r>
-              <a:rPr sz="1600" spc="-25" dirty="0">
-                <a:latin typeface="Times New Roman" panose="02020603050405020304" pitchFamily="18" charset="0"/>
-                <a:cs typeface="Times New Roman" panose="02020603050405020304" pitchFamily="18" charset="0"/>
-              </a:rPr>
-              <a:t> </a:t>
-            </a:r>
-            <a:r>
-              <a:rPr sz="1600" spc="-15" dirty="0">
-                <a:latin typeface="Times New Roman" panose="02020603050405020304" pitchFamily="18" charset="0"/>
-                <a:cs typeface="Times New Roman" panose="02020603050405020304" pitchFamily="18" charset="0"/>
-              </a:rPr>
-              <a:t>save</a:t>
-            </a:r>
-            <a:r>
-              <a:rPr sz="1600" spc="-25" dirty="0">
-                <a:latin typeface="Times New Roman" panose="02020603050405020304" pitchFamily="18" charset="0"/>
-                <a:cs typeface="Times New Roman" panose="02020603050405020304" pitchFamily="18" charset="0"/>
-              </a:rPr>
-              <a:t> </a:t>
-            </a:r>
-            <a:r>
-              <a:rPr sz="1600" dirty="0">
-                <a:latin typeface="Times New Roman" panose="02020603050405020304" pitchFamily="18" charset="0"/>
-                <a:cs typeface="Times New Roman" panose="02020603050405020304" pitchFamily="18" charset="0"/>
-              </a:rPr>
-              <a:t>a</a:t>
-            </a:r>
-            <a:r>
-              <a:rPr sz="1600" spc="-25" dirty="0">
-                <a:latin typeface="Times New Roman" panose="02020603050405020304" pitchFamily="18" charset="0"/>
-                <a:cs typeface="Times New Roman" panose="02020603050405020304" pitchFamily="18" charset="0"/>
-              </a:rPr>
-              <a:t> </a:t>
-            </a:r>
-            <a:r>
-              <a:rPr sz="1600" spc="-10" dirty="0">
-                <a:latin typeface="Times New Roman" panose="02020603050405020304" pitchFamily="18" charset="0"/>
-                <a:cs typeface="Times New Roman" panose="02020603050405020304" pitchFamily="18" charset="0"/>
-              </a:rPr>
-              <a:t>call</a:t>
-            </a:r>
-            <a:r>
-              <a:rPr sz="1600" spc="-20" dirty="0">
-                <a:latin typeface="Times New Roman" panose="02020603050405020304" pitchFamily="18" charset="0"/>
-                <a:cs typeface="Times New Roman" panose="02020603050405020304" pitchFamily="18" charset="0"/>
-              </a:rPr>
-              <a:t> </a:t>
-            </a:r>
-            <a:r>
-              <a:rPr sz="1600" spc="-5" dirty="0">
-                <a:latin typeface="Times New Roman" panose="02020603050405020304" pitchFamily="18" charset="0"/>
-                <a:cs typeface="Times New Roman" panose="02020603050405020304" pitchFamily="18" charset="0"/>
-              </a:rPr>
-              <a:t>to</a:t>
-            </a:r>
-            <a:r>
-              <a:rPr sz="1600" spc="-25" dirty="0">
-                <a:latin typeface="Times New Roman" panose="02020603050405020304" pitchFamily="18" charset="0"/>
-                <a:cs typeface="Times New Roman" panose="02020603050405020304" pitchFamily="18" charset="0"/>
-              </a:rPr>
-              <a:t> </a:t>
-            </a:r>
-            <a:r>
-              <a:rPr sz="1600" spc="-10" dirty="0">
-                <a:latin typeface="Times New Roman" panose="02020603050405020304" pitchFamily="18" charset="0"/>
-                <a:cs typeface="Times New Roman" panose="02020603050405020304" pitchFamily="18" charset="0"/>
-              </a:rPr>
-              <a:t>strlen()</a:t>
-            </a:r>
-            <a:r>
-              <a:rPr sz="1600" spc="-25" dirty="0">
-                <a:latin typeface="Times New Roman" panose="02020603050405020304" pitchFamily="18" charset="0"/>
-                <a:cs typeface="Times New Roman" panose="02020603050405020304" pitchFamily="18" charset="0"/>
-              </a:rPr>
-              <a:t> </a:t>
-            </a:r>
-            <a:r>
-              <a:rPr sz="1600" spc="-20" dirty="0">
-                <a:latin typeface="Times New Roman" panose="02020603050405020304" pitchFamily="18" charset="0"/>
-                <a:cs typeface="Times New Roman" panose="02020603050405020304" pitchFamily="18" charset="0"/>
-              </a:rPr>
-              <a:t>anymore.</a:t>
-            </a:r>
-            <a:endParaRPr sz="1600" dirty="0">
-              <a:latin typeface="Times New Roman" panose="02020603050405020304" pitchFamily="18" charset="0"/>
-              <a:cs typeface="Times New Roman" panose="02020603050405020304" pitchFamily="18" charset="0"/>
-            </a:endParaRPr>
-          </a:p>
-          <a:p>
-            <a:pPr marL="269875">
-              <a:lnSpc>
-                <a:spcPct val="100000"/>
-              </a:lnSpc>
-              <a:spcBef>
-                <a:spcPts val="160"/>
-              </a:spcBef>
-            </a:pPr>
-            <a:r>
-              <a:rPr sz="1400" dirty="0">
-                <a:latin typeface="Times New Roman" panose="02020603050405020304" pitchFamily="18" charset="0"/>
-                <a:cs typeface="Times New Roman" panose="02020603050405020304" pitchFamily="18" charset="0"/>
-              </a:rPr>
-              <a:t>–</a:t>
-            </a:r>
-            <a:r>
-              <a:rPr sz="1400" spc="-155" dirty="0">
-                <a:latin typeface="Times New Roman" panose="02020603050405020304" pitchFamily="18" charset="0"/>
-                <a:cs typeface="Times New Roman" panose="02020603050405020304" pitchFamily="18" charset="0"/>
-              </a:rPr>
-              <a:t> </a:t>
-            </a:r>
-            <a:r>
-              <a:rPr sz="1400" spc="-75" dirty="0">
-                <a:latin typeface="Times New Roman" panose="02020603050405020304" pitchFamily="18" charset="0"/>
-                <a:cs typeface="Times New Roman" panose="02020603050405020304" pitchFamily="18" charset="0"/>
-              </a:rPr>
-              <a:t>W</a:t>
-            </a:r>
-            <a:r>
-              <a:rPr sz="1400" dirty="0">
-                <a:latin typeface="Times New Roman" panose="02020603050405020304" pitchFamily="18" charset="0"/>
-                <a:cs typeface="Times New Roman" panose="02020603050405020304" pitchFamily="18" charset="0"/>
-              </a:rPr>
-              <a:t>e</a:t>
-            </a:r>
-            <a:r>
-              <a:rPr sz="1400" spc="-45" dirty="0">
-                <a:latin typeface="Times New Roman" panose="02020603050405020304" pitchFamily="18" charset="0"/>
-                <a:cs typeface="Times New Roman" panose="02020603050405020304" pitchFamily="18" charset="0"/>
-              </a:rPr>
-              <a:t> </a:t>
-            </a:r>
-            <a:r>
-              <a:rPr sz="1400" spc="-30" dirty="0">
-                <a:latin typeface="Times New Roman" panose="02020603050405020304" pitchFamily="18" charset="0"/>
-                <a:cs typeface="Times New Roman" panose="02020603050405020304" pitchFamily="18" charset="0"/>
-              </a:rPr>
-              <a:t>d</a:t>
-            </a:r>
-            <a:r>
-              <a:rPr sz="1400" spc="-15" dirty="0">
-                <a:latin typeface="Times New Roman" panose="02020603050405020304" pitchFamily="18" charset="0"/>
-                <a:cs typeface="Times New Roman" panose="02020603050405020304" pitchFamily="18" charset="0"/>
-              </a:rPr>
-              <a:t>i</a:t>
-            </a:r>
-            <a:r>
-              <a:rPr sz="1400" spc="-30" dirty="0">
-                <a:latin typeface="Times New Roman" panose="02020603050405020304" pitchFamily="18" charset="0"/>
-                <a:cs typeface="Times New Roman" panose="02020603050405020304" pitchFamily="18" charset="0"/>
-              </a:rPr>
-              <a:t>dn</a:t>
-            </a:r>
-            <a:r>
-              <a:rPr sz="1400" spc="-15" dirty="0">
-                <a:latin typeface="Times New Roman" panose="02020603050405020304" pitchFamily="18" charset="0"/>
-                <a:cs typeface="Times New Roman" panose="02020603050405020304" pitchFamily="18" charset="0"/>
-              </a:rPr>
-              <a:t>’</a:t>
-            </a:r>
-            <a:r>
-              <a:rPr sz="1400" dirty="0">
-                <a:latin typeface="Times New Roman" panose="02020603050405020304" pitchFamily="18" charset="0"/>
-                <a:cs typeface="Times New Roman" panose="02020603050405020304" pitchFamily="18" charset="0"/>
-              </a:rPr>
-              <a:t>t</a:t>
-            </a:r>
-            <a:r>
-              <a:rPr sz="1400" spc="-30" dirty="0">
-                <a:latin typeface="Times New Roman" panose="02020603050405020304" pitchFamily="18" charset="0"/>
-                <a:cs typeface="Times New Roman" panose="02020603050405020304" pitchFamily="18" charset="0"/>
-              </a:rPr>
-              <a:t> </a:t>
-            </a:r>
-            <a:r>
-              <a:rPr sz="1400" spc="-20" dirty="0">
-                <a:latin typeface="Times New Roman" panose="02020603050405020304" pitchFamily="18" charset="0"/>
-                <a:cs typeface="Times New Roman" panose="02020603050405020304" pitchFamily="18" charset="0"/>
-              </a:rPr>
-              <a:t>r</a:t>
-            </a:r>
-            <a:r>
-              <a:rPr sz="1400" spc="-30" dirty="0">
-                <a:latin typeface="Times New Roman" panose="02020603050405020304" pitchFamily="18" charset="0"/>
-                <a:cs typeface="Times New Roman" panose="02020603050405020304" pitchFamily="18" charset="0"/>
-              </a:rPr>
-              <a:t>ea</a:t>
-            </a:r>
-            <a:r>
-              <a:rPr sz="1400" spc="-15" dirty="0">
-                <a:latin typeface="Times New Roman" panose="02020603050405020304" pitchFamily="18" charset="0"/>
-                <a:cs typeface="Times New Roman" panose="02020603050405020304" pitchFamily="18" charset="0"/>
-              </a:rPr>
-              <a:t>ll</a:t>
-            </a:r>
-            <a:r>
-              <a:rPr sz="1400" dirty="0">
-                <a:latin typeface="Times New Roman" panose="02020603050405020304" pitchFamily="18" charset="0"/>
-                <a:cs typeface="Times New Roman" panose="02020603050405020304" pitchFamily="18" charset="0"/>
-              </a:rPr>
-              <a:t>y</a:t>
-            </a:r>
-            <a:r>
-              <a:rPr sz="1400" spc="-40" dirty="0">
-                <a:latin typeface="Times New Roman" panose="02020603050405020304" pitchFamily="18" charset="0"/>
-                <a:cs typeface="Times New Roman" panose="02020603050405020304" pitchFamily="18" charset="0"/>
-              </a:rPr>
-              <a:t> </a:t>
-            </a:r>
-            <a:r>
-              <a:rPr sz="1400" spc="-30" dirty="0">
-                <a:latin typeface="Times New Roman" panose="02020603050405020304" pitchFamily="18" charset="0"/>
-                <a:cs typeface="Times New Roman" panose="02020603050405020304" pitchFamily="18" charset="0"/>
-              </a:rPr>
-              <a:t>ba</a:t>
-            </a:r>
-            <a:r>
-              <a:rPr sz="1400" spc="-25" dirty="0">
-                <a:latin typeface="Times New Roman" panose="02020603050405020304" pitchFamily="18" charset="0"/>
-                <a:cs typeface="Times New Roman" panose="02020603050405020304" pitchFamily="18" charset="0"/>
-              </a:rPr>
-              <a:t>c</a:t>
-            </a:r>
-            <a:r>
-              <a:rPr sz="1400" dirty="0">
-                <a:latin typeface="Times New Roman" panose="02020603050405020304" pitchFamily="18" charset="0"/>
-                <a:cs typeface="Times New Roman" panose="02020603050405020304" pitchFamily="18" charset="0"/>
-              </a:rPr>
-              <a:t>k</a:t>
-            </a:r>
-            <a:r>
-              <a:rPr sz="1400" spc="-40" dirty="0">
-                <a:latin typeface="Times New Roman" panose="02020603050405020304" pitchFamily="18" charset="0"/>
-                <a:cs typeface="Times New Roman" panose="02020603050405020304" pitchFamily="18" charset="0"/>
-              </a:rPr>
-              <a:t> </a:t>
-            </a:r>
-            <a:r>
-              <a:rPr sz="1400" spc="-15" dirty="0">
-                <a:latin typeface="Times New Roman" panose="02020603050405020304" pitchFamily="18" charset="0"/>
-                <a:cs typeface="Times New Roman" panose="02020603050405020304" pitchFamily="18" charset="0"/>
-              </a:rPr>
-              <a:t>t</a:t>
-            </a:r>
-            <a:r>
-              <a:rPr sz="1400" spc="-30" dirty="0">
-                <a:latin typeface="Times New Roman" panose="02020603050405020304" pitchFamily="18" charset="0"/>
-                <a:cs typeface="Times New Roman" panose="02020603050405020304" pitchFamily="18" charset="0"/>
-              </a:rPr>
-              <a:t>he</a:t>
-            </a:r>
-            <a:r>
-              <a:rPr sz="1400" dirty="0">
-                <a:latin typeface="Times New Roman" panose="02020603050405020304" pitchFamily="18" charset="0"/>
-                <a:cs typeface="Times New Roman" panose="02020603050405020304" pitchFamily="18" charset="0"/>
-              </a:rPr>
-              <a:t>n</a:t>
-            </a:r>
-            <a:r>
-              <a:rPr sz="1400" spc="-45" dirty="0">
-                <a:latin typeface="Times New Roman" panose="02020603050405020304" pitchFamily="18" charset="0"/>
-                <a:cs typeface="Times New Roman" panose="02020603050405020304" pitchFamily="18" charset="0"/>
-              </a:rPr>
-              <a:t> </a:t>
-            </a:r>
-            <a:r>
-              <a:rPr sz="1400" spc="-30" dirty="0">
-                <a:latin typeface="Times New Roman" panose="02020603050405020304" pitchFamily="18" charset="0"/>
-                <a:cs typeface="Times New Roman" panose="02020603050405020304" pitchFamily="18" charset="0"/>
-              </a:rPr>
-              <a:t>e</a:t>
-            </a:r>
-            <a:r>
-              <a:rPr sz="1400" spc="-15" dirty="0">
-                <a:latin typeface="Times New Roman" panose="02020603050405020304" pitchFamily="18" charset="0"/>
-                <a:cs typeface="Times New Roman" panose="02020603050405020304" pitchFamily="18" charset="0"/>
-              </a:rPr>
-              <a:t>it</a:t>
-            </a:r>
-            <a:r>
-              <a:rPr sz="1400" spc="-30" dirty="0">
-                <a:latin typeface="Times New Roman" panose="02020603050405020304" pitchFamily="18" charset="0"/>
-                <a:cs typeface="Times New Roman" panose="02020603050405020304" pitchFamily="18" charset="0"/>
-              </a:rPr>
-              <a:t>he</a:t>
-            </a:r>
-            <a:r>
-              <a:rPr sz="1400" spc="-20" dirty="0">
-                <a:latin typeface="Times New Roman" panose="02020603050405020304" pitchFamily="18" charset="0"/>
-                <a:cs typeface="Times New Roman" panose="02020603050405020304" pitchFamily="18" charset="0"/>
-              </a:rPr>
-              <a:t>r</a:t>
-            </a:r>
-            <a:r>
-              <a:rPr sz="1400" dirty="0">
-                <a:latin typeface="Times New Roman" panose="02020603050405020304" pitchFamily="18" charset="0"/>
-                <a:cs typeface="Times New Roman" panose="02020603050405020304" pitchFamily="18" charset="0"/>
-              </a:rPr>
-              <a:t>…</a:t>
-            </a:r>
           </a:p>
         </p:txBody>
       </p:sp>
